--- a/midtvejsPraes.pptx
+++ b/midtvejsPraes.pptx
@@ -5,23 +5,25 @@
     <p:sldMasterId id="2147483662" r:id="rId1"/>
   </p:sldMasterIdLst>
   <p:notesMasterIdLst>
-    <p:notesMasterId r:id="rId8"/>
+    <p:notesMasterId r:id="rId10"/>
   </p:notesMasterIdLst>
   <p:handoutMasterIdLst>
-    <p:handoutMasterId r:id="rId9"/>
+    <p:handoutMasterId r:id="rId11"/>
   </p:handoutMasterIdLst>
   <p:sldIdLst>
     <p:sldId id="256" r:id="rId2"/>
-    <p:sldId id="257" r:id="rId3"/>
-    <p:sldId id="261" r:id="rId4"/>
-    <p:sldId id="260" r:id="rId5"/>
-    <p:sldId id="258" r:id="rId6"/>
-    <p:sldId id="259" r:id="rId7"/>
+    <p:sldId id="263" r:id="rId3"/>
+    <p:sldId id="262" r:id="rId4"/>
+    <p:sldId id="257" r:id="rId5"/>
+    <p:sldId id="261" r:id="rId6"/>
+    <p:sldId id="260" r:id="rId7"/>
+    <p:sldId id="258" r:id="rId8"/>
+    <p:sldId id="259" r:id="rId9"/>
   </p:sldIdLst>
   <p:sldSz cx="9144000" cy="6858000" type="screen4x3"/>
   <p:notesSz cx="6858000" cy="9144000"/>
   <p:custDataLst>
-    <p:tags r:id="rId10"/>
+    <p:tags r:id="rId12"/>
   </p:custDataLst>
   <p:defaultTextStyle>
     <a:defPPr>
@@ -1098,30 +1100,64 @@
           <a:p>
             <a:r>
               <a:rPr lang="da-DK" dirty="0"/>
-              <a:t>Sig noget generelt om at dette fjerner </a:t>
+              <a:t>[</a:t>
             </a:r>
             <a:r>
               <a:rPr lang="da-DK" dirty="0" err="1"/>
-              <a:t>nødvændigheden</a:t>
+              <a:t>blurp</a:t>
             </a:r>
             <a:r>
               <a:rPr lang="da-DK" dirty="0"/>
-              <a:t> for konstant at tjekke betingelser.</a:t>
-            </a:r>
-          </a:p>
-          <a:p>
+              <a:t>] Vi er i gang med at programmere en integreret kreds, med en </a:t>
+            </a:r>
+            <a:r>
+              <a:rPr lang="da-DK" dirty="0" err="1"/>
+              <a:t>microcontroller</a:t>
+            </a:r>
             <a:r>
               <a:rPr lang="da-DK" dirty="0"/>
-              <a:t>Ved </a:t>
+              <a:t>, der skal kunne styre en motor, ved hjælp af </a:t>
             </a:r>
             <a:r>
               <a:rPr lang="da-DK" dirty="0" err="1"/>
-              <a:t>problermer</a:t>
+              <a:t>fuel</a:t>
             </a:r>
             <a:r>
               <a:rPr lang="da-DK" dirty="0"/>
-              <a:t> tænker jeg mest i forhold til at det kan afbryde anden kode, fx kommunikation, hvilket kan give problemer.</a:t>
-            </a:r>
+              <a:t> </a:t>
+            </a:r>
+            <a:r>
+              <a:rPr lang="da-DK" dirty="0" err="1"/>
+              <a:t>injection</a:t>
+            </a:r>
+            <a:r>
+              <a:rPr lang="da-DK" dirty="0"/>
+              <a:t> og antænding (</a:t>
+            </a:r>
+            <a:r>
+              <a:rPr lang="da-DK" dirty="0" err="1"/>
+              <a:t>tænsspole</a:t>
+            </a:r>
+            <a:r>
+              <a:rPr lang="da-DK" dirty="0"/>
+              <a:t>).</a:t>
+            </a:r>
+          </a:p>
+          <a:p>
+            <a:endParaRPr lang="da-DK" dirty="0"/>
+          </a:p>
+          <a:p>
+            <a:r>
+              <a:rPr lang="da-DK" dirty="0"/>
+              <a:t>Vi har fokuseret meget på denne del, og dermed meget mere på programmering </a:t>
+            </a:r>
+            <a:r>
+              <a:rPr lang="da-DK"/>
+              <a:t>end design af boardet.</a:t>
+            </a:r>
+          </a:p>
+          <a:p>
+            <a:endParaRPr lang="da-DK" dirty="0"/>
           </a:p>
         </p:txBody>
       </p:sp>
@@ -1143,7 +1179,7 @@
             <a:fld id="{C734BB09-483B-4C4B-A5A4-C02A22055B01}" type="slidenum">
               <a:rPr lang="da-DK" smtClean="0"/>
               <a:pPr/>
-              <a:t>3</a:t>
+              <a:t>2</a:t>
             </a:fld>
             <a:endParaRPr lang="da-DK"/>
           </a:p>
@@ -1152,7 +1188,7 @@
     </p:spTree>
     <p:extLst>
       <p:ext uri="{BB962C8B-B14F-4D97-AF65-F5344CB8AC3E}">
-        <p14:creationId xmlns:p14="http://schemas.microsoft.com/office/powerpoint/2010/main" val="705131684"/>
+        <p14:creationId xmlns:p14="http://schemas.microsoft.com/office/powerpoint/2010/main" val="1162832913"/>
       </p:ext>
     </p:extLst>
   </p:cSld>
@@ -1206,48 +1242,7 @@
           <a:bodyPr/>
           <a:lstStyle/>
           <a:p>
-            <a:pPr marL="171450" indent="-171450">
-              <a:buFontTx/>
-              <a:buChar char="-"/>
-            </a:pPr>
-            <a:r>
-              <a:rPr lang="da-DK" dirty="0"/>
-              <a:t>Hvad så når </a:t>
-            </a:r>
-            <a:r>
-              <a:rPr lang="da-DK" dirty="0" err="1"/>
-              <a:t>interrupts</a:t>
-            </a:r>
-            <a:r>
-              <a:rPr lang="da-DK" dirty="0"/>
-              <a:t> bliver for </a:t>
-            </a:r>
-            <a:r>
-              <a:rPr lang="da-DK" dirty="0" err="1"/>
-              <a:t>langsommme</a:t>
-            </a:r>
-            <a:r>
-              <a:rPr lang="da-DK" dirty="0"/>
-              <a:t>? (Hardware </a:t>
-            </a:r>
-            <a:r>
-              <a:rPr lang="da-DK" dirty="0" err="1"/>
-              <a:t>decoder</a:t>
-            </a:r>
-            <a:r>
-              <a:rPr lang="da-DK" dirty="0"/>
-              <a:t>)</a:t>
-            </a:r>
-          </a:p>
-          <a:p>
-            <a:pPr marL="171450" indent="-171450">
-              <a:buFontTx/>
-              <a:buChar char="-"/>
-            </a:pPr>
-            <a:r>
-              <a:rPr lang="da-DK" dirty="0"/>
-              <a:t>Aflæsning når der er behov for det, </a:t>
-            </a:r>
+            <a:endParaRPr lang="da-DK" dirty="0"/>
           </a:p>
         </p:txBody>
       </p:sp>
@@ -1269,7 +1264,7 @@
             <a:fld id="{C734BB09-483B-4C4B-A5A4-C02A22055B01}" type="slidenum">
               <a:rPr lang="da-DK" smtClean="0"/>
               <a:pPr/>
-              <a:t>4</a:t>
+              <a:t>3</a:t>
             </a:fld>
             <a:endParaRPr lang="da-DK"/>
           </a:p>
@@ -1278,7 +1273,7 @@
     </p:spTree>
     <p:extLst>
       <p:ext uri="{BB962C8B-B14F-4D97-AF65-F5344CB8AC3E}">
-        <p14:creationId xmlns:p14="http://schemas.microsoft.com/office/powerpoint/2010/main" val="3859742724"/>
+        <p14:creationId xmlns:p14="http://schemas.microsoft.com/office/powerpoint/2010/main" val="2574890040"/>
       </p:ext>
     </p:extLst>
   </p:cSld>
@@ -1334,13 +1329,7 @@
           <a:p>
             <a:r>
               <a:rPr lang="da-DK" dirty="0"/>
-              <a:t>Manuel test, til om det overhovedet virker</a:t>
-            </a:r>
-          </a:p>
-          <a:p>
-            <a:r>
-              <a:rPr lang="da-DK" dirty="0"/>
-              <a:t>High speed test til om det skaber problemer i koden med hastigheden. (nej)</a:t>
+              <a:t>Labview</a:t>
             </a:r>
           </a:p>
         </p:txBody>
@@ -1363,7 +1352,7 @@
             <a:fld id="{C734BB09-483B-4C4B-A5A4-C02A22055B01}" type="slidenum">
               <a:rPr lang="da-DK" smtClean="0"/>
               <a:pPr/>
-              <a:t>5</a:t>
+              <a:t>4</a:t>
             </a:fld>
             <a:endParaRPr lang="da-DK"/>
           </a:p>
@@ -1372,7 +1361,7 @@
     </p:spTree>
     <p:extLst>
       <p:ext uri="{BB962C8B-B14F-4D97-AF65-F5344CB8AC3E}">
-        <p14:creationId xmlns:p14="http://schemas.microsoft.com/office/powerpoint/2010/main" val="2619793904"/>
+        <p14:creationId xmlns:p14="http://schemas.microsoft.com/office/powerpoint/2010/main" val="3590048412"/>
       </p:ext>
     </p:extLst>
   </p:cSld>
@@ -1428,21 +1417,147 @@
           <a:p>
             <a:r>
               <a:rPr lang="da-DK" dirty="0"/>
-              <a:t>Problemer med støj</a:t>
-            </a:r>
-          </a:p>
-          <a:p>
+              <a:t>Sig noget generelt om at dette fjerner </a:t>
+            </a:r>
+            <a:r>
+              <a:rPr lang="da-DK" dirty="0" err="1"/>
+              <a:t>nødvændigheden</a:t>
+            </a:r>
             <a:r>
               <a:rPr lang="da-DK" dirty="0"/>
-              <a:t>Test </a:t>
+              <a:t> for konstant at tjekke betingelser.</a:t>
+            </a:r>
+          </a:p>
+          <a:p>
+            <a:r>
+              <a:rPr lang="da-DK" dirty="0"/>
+              <a:t>Ved udfordringer tænker jeg mest i forhold til at det kan afbryde anden kode, fx kommunikation, hvilket kan give problemer.</a:t>
+            </a:r>
+          </a:p>
+        </p:txBody>
+      </p:sp>
+      <p:sp>
+        <p:nvSpPr>
+          <p:cNvPr id="4" name="Pladsholder til slidenummer 3"/>
+          <p:cNvSpPr>
+            <a:spLocks noGrp="1"/>
+          </p:cNvSpPr>
+          <p:nvPr>
+            <p:ph type="sldNum" sz="quarter" idx="10"/>
+          </p:nvPr>
+        </p:nvSpPr>
+        <p:spPr/>
+        <p:txBody>
+          <a:bodyPr/>
+          <a:lstStyle/>
+          <a:p>
+            <a:fld id="{C734BB09-483B-4C4B-A5A4-C02A22055B01}" type="slidenum">
+              <a:rPr lang="da-DK" smtClean="0"/>
+              <a:pPr/>
+              <a:t>5</a:t>
+            </a:fld>
+            <a:endParaRPr lang="da-DK"/>
+          </a:p>
+        </p:txBody>
+      </p:sp>
+    </p:spTree>
+    <p:extLst>
+      <p:ext uri="{BB962C8B-B14F-4D97-AF65-F5344CB8AC3E}">
+        <p14:creationId xmlns:p14="http://schemas.microsoft.com/office/powerpoint/2010/main" val="705131684"/>
+      </p:ext>
+    </p:extLst>
+  </p:cSld>
+  <p:clrMapOvr>
+    <a:masterClrMapping/>
+  </p:clrMapOvr>
+</p:notes>
+</file>
+
+<file path=ppt/notesSlides/notesSlide5.xml><?xml version="1.0" encoding="utf-8"?>
+<p:notes xmlns:a="http://schemas.openxmlformats.org/drawingml/2006/main" xmlns:r="http://schemas.openxmlformats.org/officeDocument/2006/relationships" xmlns:p="http://schemas.openxmlformats.org/presentationml/2006/main">
+  <p:cSld>
+    <p:spTree>
+      <p:nvGrpSpPr>
+        <p:cNvPr id="1" name=""/>
+        <p:cNvGrpSpPr/>
+        <p:nvPr/>
+      </p:nvGrpSpPr>
+      <p:grpSpPr>
+        <a:xfrm>
+          <a:off x="0" y="0"/>
+          <a:ext cx="0" cy="0"/>
+          <a:chOff x="0" y="0"/>
+          <a:chExt cx="0" cy="0"/>
+        </a:xfrm>
+      </p:grpSpPr>
+      <p:sp>
+        <p:nvSpPr>
+          <p:cNvPr id="2" name="Pladsholder til slidebillede 1"/>
+          <p:cNvSpPr>
+            <a:spLocks noGrp="1" noRot="1" noChangeAspect="1"/>
+          </p:cNvSpPr>
+          <p:nvPr>
+            <p:ph type="sldImg"/>
+          </p:nvPr>
+        </p:nvSpPr>
+        <p:spPr/>
+      </p:sp>
+      <p:sp>
+        <p:nvSpPr>
+          <p:cNvPr id="3" name="Pladsholder til noter 2"/>
+          <p:cNvSpPr>
+            <a:spLocks noGrp="1"/>
+          </p:cNvSpPr>
+          <p:nvPr>
+            <p:ph type="body" idx="1"/>
+          </p:nvPr>
+        </p:nvSpPr>
+        <p:spPr/>
+        <p:txBody>
+          <a:bodyPr/>
+          <a:lstStyle/>
+          <a:p>
+            <a:pPr marL="171450" indent="-171450">
+              <a:buFontTx/>
+              <a:buChar char="-"/>
+            </a:pPr>
+            <a:r>
+              <a:rPr lang="da-DK" dirty="0"/>
+              <a:t>Hvad så når </a:t>
             </a:r>
             <a:r>
               <a:rPr lang="da-DK" dirty="0" err="1"/>
-              <a:t>setup</a:t>
+              <a:t>interrupts</a:t>
             </a:r>
             <a:r>
               <a:rPr lang="da-DK" dirty="0"/>
-              <a:t> – Måling af signalernes længde (Virkede som forventet)</a:t>
+              <a:t> bliver for </a:t>
+            </a:r>
+            <a:r>
+              <a:rPr lang="da-DK" dirty="0" err="1"/>
+              <a:t>langsommme</a:t>
+            </a:r>
+            <a:r>
+              <a:rPr lang="da-DK" dirty="0"/>
+              <a:t>? (Hardware </a:t>
+            </a:r>
+            <a:r>
+              <a:rPr lang="da-DK" dirty="0" err="1"/>
+              <a:t>decoder</a:t>
+            </a:r>
+            <a:r>
+              <a:rPr lang="da-DK" dirty="0"/>
+              <a:t>)</a:t>
+            </a:r>
+          </a:p>
+          <a:p>
+            <a:pPr marL="171450" indent="-171450">
+              <a:buFontTx/>
+              <a:buChar char="-"/>
+            </a:pPr>
+            <a:r>
+              <a:rPr lang="da-DK" dirty="0"/>
+              <a:t>Aflæsning når der er behov for det, </a:t>
             </a:r>
           </a:p>
         </p:txBody>
@@ -1466,6 +1581,202 @@
               <a:rPr lang="da-DK" smtClean="0"/>
               <a:pPr/>
               <a:t>6</a:t>
+            </a:fld>
+            <a:endParaRPr lang="da-DK"/>
+          </a:p>
+        </p:txBody>
+      </p:sp>
+    </p:spTree>
+    <p:extLst>
+      <p:ext uri="{BB962C8B-B14F-4D97-AF65-F5344CB8AC3E}">
+        <p14:creationId xmlns:p14="http://schemas.microsoft.com/office/powerpoint/2010/main" val="3859742724"/>
+      </p:ext>
+    </p:extLst>
+  </p:cSld>
+  <p:clrMapOvr>
+    <a:masterClrMapping/>
+  </p:clrMapOvr>
+</p:notes>
+</file>
+
+<file path=ppt/notesSlides/notesSlide6.xml><?xml version="1.0" encoding="utf-8"?>
+<p:notes xmlns:a="http://schemas.openxmlformats.org/drawingml/2006/main" xmlns:r="http://schemas.openxmlformats.org/officeDocument/2006/relationships" xmlns:p="http://schemas.openxmlformats.org/presentationml/2006/main">
+  <p:cSld>
+    <p:spTree>
+      <p:nvGrpSpPr>
+        <p:cNvPr id="1" name=""/>
+        <p:cNvGrpSpPr/>
+        <p:nvPr/>
+      </p:nvGrpSpPr>
+      <p:grpSpPr>
+        <a:xfrm>
+          <a:off x="0" y="0"/>
+          <a:ext cx="0" cy="0"/>
+          <a:chOff x="0" y="0"/>
+          <a:chExt cx="0" cy="0"/>
+        </a:xfrm>
+      </p:grpSpPr>
+      <p:sp>
+        <p:nvSpPr>
+          <p:cNvPr id="2" name="Pladsholder til slidebillede 1"/>
+          <p:cNvSpPr>
+            <a:spLocks noGrp="1" noRot="1" noChangeAspect="1"/>
+          </p:cNvSpPr>
+          <p:nvPr>
+            <p:ph type="sldImg"/>
+          </p:nvPr>
+        </p:nvSpPr>
+        <p:spPr/>
+      </p:sp>
+      <p:sp>
+        <p:nvSpPr>
+          <p:cNvPr id="3" name="Pladsholder til noter 2"/>
+          <p:cNvSpPr>
+            <a:spLocks noGrp="1"/>
+          </p:cNvSpPr>
+          <p:nvPr>
+            <p:ph type="body" idx="1"/>
+          </p:nvPr>
+        </p:nvSpPr>
+        <p:spPr/>
+        <p:txBody>
+          <a:bodyPr/>
+          <a:lstStyle/>
+          <a:p>
+            <a:r>
+              <a:rPr lang="da-DK" dirty="0"/>
+              <a:t>Manuel test, til om det overhovedet virker</a:t>
+            </a:r>
+          </a:p>
+          <a:p>
+            <a:r>
+              <a:rPr lang="da-DK" dirty="0"/>
+              <a:t>High speed test til om det skaber problemer i koden med hastigheden. (nej)</a:t>
+            </a:r>
+          </a:p>
+        </p:txBody>
+      </p:sp>
+      <p:sp>
+        <p:nvSpPr>
+          <p:cNvPr id="4" name="Pladsholder til slidenummer 3"/>
+          <p:cNvSpPr>
+            <a:spLocks noGrp="1"/>
+          </p:cNvSpPr>
+          <p:nvPr>
+            <p:ph type="sldNum" sz="quarter" idx="10"/>
+          </p:nvPr>
+        </p:nvSpPr>
+        <p:spPr/>
+        <p:txBody>
+          <a:bodyPr/>
+          <a:lstStyle/>
+          <a:p>
+            <a:fld id="{C734BB09-483B-4C4B-A5A4-C02A22055B01}" type="slidenum">
+              <a:rPr lang="da-DK" smtClean="0"/>
+              <a:pPr/>
+              <a:t>7</a:t>
+            </a:fld>
+            <a:endParaRPr lang="da-DK"/>
+          </a:p>
+        </p:txBody>
+      </p:sp>
+    </p:spTree>
+    <p:extLst>
+      <p:ext uri="{BB962C8B-B14F-4D97-AF65-F5344CB8AC3E}">
+        <p14:creationId xmlns:p14="http://schemas.microsoft.com/office/powerpoint/2010/main" val="2619793904"/>
+      </p:ext>
+    </p:extLst>
+  </p:cSld>
+  <p:clrMapOvr>
+    <a:masterClrMapping/>
+  </p:clrMapOvr>
+</p:notes>
+</file>
+
+<file path=ppt/notesSlides/notesSlide7.xml><?xml version="1.0" encoding="utf-8"?>
+<p:notes xmlns:a="http://schemas.openxmlformats.org/drawingml/2006/main" xmlns:r="http://schemas.openxmlformats.org/officeDocument/2006/relationships" xmlns:p="http://schemas.openxmlformats.org/presentationml/2006/main">
+  <p:cSld>
+    <p:spTree>
+      <p:nvGrpSpPr>
+        <p:cNvPr id="1" name=""/>
+        <p:cNvGrpSpPr/>
+        <p:nvPr/>
+      </p:nvGrpSpPr>
+      <p:grpSpPr>
+        <a:xfrm>
+          <a:off x="0" y="0"/>
+          <a:ext cx="0" cy="0"/>
+          <a:chOff x="0" y="0"/>
+          <a:chExt cx="0" cy="0"/>
+        </a:xfrm>
+      </p:grpSpPr>
+      <p:sp>
+        <p:nvSpPr>
+          <p:cNvPr id="2" name="Pladsholder til slidebillede 1"/>
+          <p:cNvSpPr>
+            <a:spLocks noGrp="1" noRot="1" noChangeAspect="1"/>
+          </p:cNvSpPr>
+          <p:nvPr>
+            <p:ph type="sldImg"/>
+          </p:nvPr>
+        </p:nvSpPr>
+        <p:spPr/>
+      </p:sp>
+      <p:sp>
+        <p:nvSpPr>
+          <p:cNvPr id="3" name="Pladsholder til noter 2"/>
+          <p:cNvSpPr>
+            <a:spLocks noGrp="1"/>
+          </p:cNvSpPr>
+          <p:nvPr>
+            <p:ph type="body" idx="1"/>
+          </p:nvPr>
+        </p:nvSpPr>
+        <p:spPr/>
+        <p:txBody>
+          <a:bodyPr/>
+          <a:lstStyle/>
+          <a:p>
+            <a:r>
+              <a:rPr lang="da-DK" dirty="0"/>
+              <a:t>Problemer med støj</a:t>
+            </a:r>
+          </a:p>
+          <a:p>
+            <a:r>
+              <a:rPr lang="da-DK" dirty="0"/>
+              <a:t>Test </a:t>
+            </a:r>
+            <a:r>
+              <a:rPr lang="da-DK" dirty="0" err="1"/>
+              <a:t>setup</a:t>
+            </a:r>
+            <a:r>
+              <a:rPr lang="da-DK" dirty="0"/>
+              <a:t> – Måling af signalernes længde (Virkede som forventet)</a:t>
+            </a:r>
+          </a:p>
+        </p:txBody>
+      </p:sp>
+      <p:sp>
+        <p:nvSpPr>
+          <p:cNvPr id="4" name="Pladsholder til slidenummer 3"/>
+          <p:cNvSpPr>
+            <a:spLocks noGrp="1"/>
+          </p:cNvSpPr>
+          <p:nvPr>
+            <p:ph type="sldNum" sz="quarter" idx="10"/>
+          </p:nvPr>
+        </p:nvSpPr>
+        <p:spPr/>
+        <p:txBody>
+          <a:bodyPr/>
+          <a:lstStyle/>
+          <a:p>
+            <a:fld id="{C734BB09-483B-4C4B-A5A4-C02A22055B01}" type="slidenum">
+              <a:rPr lang="da-DK" smtClean="0"/>
+              <a:pPr/>
+              <a:t>8</a:t>
             </a:fld>
             <a:endParaRPr lang="da-DK"/>
           </a:p>
@@ -3529,7 +3840,13 @@
       </p:grpSpPr>
       <p:sp>
         <p:nvSpPr>
-          <p:cNvPr id="8" name="Title 7"/>
+          <p:cNvPr id="2" name="Titel 1">
+            <a:extLst>
+              <a:ext uri="{FF2B5EF4-FFF2-40B4-BE49-F238E27FC236}">
+                <a16:creationId xmlns:a16="http://schemas.microsoft.com/office/drawing/2014/main" id="{20A89ABB-0C4B-4163-8428-6B03E815BD02}"/>
+              </a:ext>
+            </a:extLst>
+          </p:cNvPr>
           <p:cNvSpPr>
             <a:spLocks noGrp="1"/>
           </p:cNvSpPr>
@@ -3544,14 +3861,20 @@
           <a:p>
             <a:r>
               <a:rPr lang="da-DK" dirty="0"/>
-              <a:t>Udfordringer</a:t>
-            </a:r>
-          </a:p>
-        </p:txBody>
-      </p:sp>
-      <p:sp>
-        <p:nvSpPr>
-          <p:cNvPr id="9" name="Content Placeholder 8"/>
+              <a:t>Introduktion og fokus</a:t>
+            </a:r>
+          </a:p>
+        </p:txBody>
+      </p:sp>
+      <p:sp>
+        <p:nvSpPr>
+          <p:cNvPr id="3" name="Pladsholder til indhold 2">
+            <a:extLst>
+              <a:ext uri="{FF2B5EF4-FFF2-40B4-BE49-F238E27FC236}">
+                <a16:creationId xmlns:a16="http://schemas.microsoft.com/office/drawing/2014/main" id="{602FEF17-9607-4C64-AB9C-EA0572FB1FBF}"/>
+              </a:ext>
+            </a:extLst>
+          </p:cNvPr>
           <p:cNvSpPr>
             <a:spLocks noGrp="1"/>
           </p:cNvSpPr>
@@ -3564,25 +3887,19 @@
           <a:bodyPr/>
           <a:lstStyle/>
           <a:p>
-            <a:r>
-              <a:rPr lang="da-DK" dirty="0"/>
-              <a:t>Samarbejde med andre linjer</a:t>
-            </a:r>
-          </a:p>
-          <a:p>
-            <a:r>
-              <a:rPr lang="da-DK" dirty="0"/>
-              <a:t>Styring af brændstofs mængde</a:t>
-            </a:r>
-          </a:p>
-          <a:p>
             <a:endParaRPr lang="da-DK" dirty="0"/>
           </a:p>
         </p:txBody>
       </p:sp>
       <p:sp>
         <p:nvSpPr>
-          <p:cNvPr id="5" name="Date_CustomB"/>
+          <p:cNvPr id="4" name="Pladsholder til dato 3">
+            <a:extLst>
+              <a:ext uri="{FF2B5EF4-FFF2-40B4-BE49-F238E27FC236}">
+                <a16:creationId xmlns:a16="http://schemas.microsoft.com/office/drawing/2014/main" id="{268216AE-6960-492B-B02B-B3D5C09CBB8A}"/>
+              </a:ext>
+            </a:extLst>
+          </p:cNvPr>
           <p:cNvSpPr>
             <a:spLocks noGrp="1"/>
           </p:cNvSpPr>
@@ -3596,15 +3913,51 @@
           <a:lstStyle/>
           <a:p>
             <a:r>
-              <a:rPr lang="da-DK" dirty="0"/>
+              <a:rPr lang="da-DK"/>
               <a:t>29. april 2018</a:t>
             </a:r>
-          </a:p>
-        </p:txBody>
-      </p:sp>
-      <p:sp>
-        <p:nvSpPr>
-          <p:cNvPr id="4" name="Slide Number Placeholder 3"/>
+            <a:endParaRPr lang="da-DK" dirty="0"/>
+          </a:p>
+        </p:txBody>
+      </p:sp>
+      <p:sp>
+        <p:nvSpPr>
+          <p:cNvPr id="5" name="Pladsholder til sidefod 4">
+            <a:extLst>
+              <a:ext uri="{FF2B5EF4-FFF2-40B4-BE49-F238E27FC236}">
+                <a16:creationId xmlns:a16="http://schemas.microsoft.com/office/drawing/2014/main" id="{DAE6CAA7-51AC-4931-82F1-43EC74647C31}"/>
+              </a:ext>
+            </a:extLst>
+          </p:cNvPr>
+          <p:cNvSpPr>
+            <a:spLocks noGrp="1"/>
+          </p:cNvSpPr>
+          <p:nvPr>
+            <p:ph type="ftr" sz="quarter" idx="11"/>
+          </p:nvPr>
+        </p:nvSpPr>
+        <p:spPr/>
+        <p:txBody>
+          <a:bodyPr/>
+          <a:lstStyle/>
+          <a:p>
+            <a:r>
+              <a:rPr lang="da-DK"/>
+              <a:t>Fagprojekt - Motorstyring på økobilen</a:t>
+            </a:r>
+            <a:endParaRPr lang="da-DK" dirty="0"/>
+          </a:p>
+        </p:txBody>
+      </p:sp>
+      <p:sp>
+        <p:nvSpPr>
+          <p:cNvPr id="6" name="Pladsholder til slidenummer 5">
+            <a:extLst>
+              <a:ext uri="{FF2B5EF4-FFF2-40B4-BE49-F238E27FC236}">
+                <a16:creationId xmlns:a16="http://schemas.microsoft.com/office/drawing/2014/main" id="{A96FA256-92EA-490D-9469-EFF819C59C70}"/>
+              </a:ext>
+            </a:extLst>
+          </p:cNvPr>
           <p:cNvSpPr>
             <a:spLocks noGrp="1"/>
           </p:cNvSpPr>
@@ -3622,39 +3975,14 @@
               <a:pPr/>
               <a:t>2</a:t>
             </a:fld>
-            <a:endParaRPr lang="da-DK"/>
-          </a:p>
-        </p:txBody>
-      </p:sp>
-      <p:sp>
-        <p:nvSpPr>
-          <p:cNvPr id="2" name="FLD_Presentation Title"/>
-          <p:cNvSpPr>
-            <a:spLocks noGrp="1"/>
-          </p:cNvSpPr>
-          <p:nvPr>
-            <p:ph type="ftr" sz="quarter" idx="11"/>
-          </p:nvPr>
-        </p:nvSpPr>
-        <p:spPr/>
-        <p:txBody>
-          <a:bodyPr/>
-          <a:lstStyle/>
-          <a:p>
-            <a:r>
-              <a:rPr lang="da-DK" dirty="0"/>
-              <a:t>Fagprojekt - Motorstyring på økobilen</a:t>
-            </a:r>
+            <a:endParaRPr lang="da-DK" dirty="0"/>
           </a:p>
         </p:txBody>
       </p:sp>
     </p:spTree>
-    <p:custDataLst>
-      <p:tags r:id="rId1"/>
-    </p:custDataLst>
     <p:extLst>
       <p:ext uri="{BB962C8B-B14F-4D97-AF65-F5344CB8AC3E}">
-        <p14:creationId xmlns:p14="http://schemas.microsoft.com/office/powerpoint/2010/main" val="330345137"/>
+        <p14:creationId xmlns:p14="http://schemas.microsoft.com/office/powerpoint/2010/main" val="683793154"/>
       </p:ext>
     </p:extLst>
   </p:cSld>
@@ -3686,7 +4014,7 @@
           <p:cNvPr id="2" name="Titel 1">
             <a:extLst>
               <a:ext uri="{FF2B5EF4-FFF2-40B4-BE49-F238E27FC236}">
-                <a16:creationId xmlns:a16="http://schemas.microsoft.com/office/drawing/2014/main" id="{7DC530C6-3CA2-470C-8F2E-732D71DB38DD}"/>
+                <a16:creationId xmlns:a16="http://schemas.microsoft.com/office/drawing/2014/main" id="{C1A74739-3429-4154-B135-5E42741B4189}"/>
               </a:ext>
             </a:extLst>
           </p:cNvPr>
@@ -3704,13 +4032,8 @@
           <a:p>
             <a:r>
               <a:rPr lang="da-DK" dirty="0"/>
-              <a:t>Programmering – </a:t>
-            </a:r>
-            <a:r>
-              <a:rPr lang="da-DK" dirty="0" err="1"/>
-              <a:t>Interrupts</a:t>
-            </a:r>
-            <a:endParaRPr lang="da-DK" dirty="0"/>
+              <a:t>Original problemformulering</a:t>
+            </a:r>
           </a:p>
         </p:txBody>
       </p:sp>
@@ -3719,7 +4042,7 @@
           <p:cNvPr id="3" name="Pladsholder til indhold 2">
             <a:extLst>
               <a:ext uri="{FF2B5EF4-FFF2-40B4-BE49-F238E27FC236}">
-                <a16:creationId xmlns:a16="http://schemas.microsoft.com/office/drawing/2014/main" id="{7DC2DE8F-3EBE-4208-BCD4-11B27EAB4370}"/>
+                <a16:creationId xmlns:a16="http://schemas.microsoft.com/office/drawing/2014/main" id="{47767B3D-BED6-427D-A7FC-668D6C82471D}"/>
               </a:ext>
             </a:extLst>
           </p:cNvPr>
@@ -3735,845 +4058,62 @@
           <a:bodyPr/>
           <a:lstStyle/>
           <a:p>
-            <a:r>
-              <a:rPr lang="da-DK" dirty="0">
-                <a:solidFill>
-                  <a:srgbClr val="000000"/>
-                </a:solidFill>
-                <a:latin typeface="Consolas" panose="020B0609020204030204" pitchFamily="49" charset="0"/>
-              </a:rPr>
-              <a:t>Tidskritisk programmering</a:t>
-            </a:r>
-          </a:p>
-          <a:p>
-            <a:r>
-              <a:rPr lang="da-DK" dirty="0">
-                <a:solidFill>
-                  <a:srgbClr val="000000"/>
-                </a:solidFill>
-                <a:latin typeface="Consolas" panose="020B0609020204030204" pitchFamily="49" charset="0"/>
-              </a:rPr>
-              <a:t>Problemer</a:t>
-            </a:r>
-          </a:p>
-          <a:p>
             <a:pPr marL="0" indent="0">
               <a:buNone/>
             </a:pPr>
-            <a:endParaRPr lang="da-DK" dirty="0">
-              <a:solidFill>
-                <a:srgbClr val="000000"/>
-              </a:solidFill>
-              <a:latin typeface="Consolas" panose="020B0609020204030204" pitchFamily="49" charset="0"/>
-            </a:endParaRPr>
-          </a:p>
-          <a:p>
-            <a:endParaRPr lang="da-DK" dirty="0">
-              <a:solidFill>
-                <a:srgbClr val="000000"/>
-              </a:solidFill>
-              <a:latin typeface="Consolas" panose="020B0609020204030204" pitchFamily="49" charset="0"/>
-            </a:endParaRPr>
-          </a:p>
-          <a:p>
-            <a:pPr marL="0" indent="0">
-              <a:buNone/>
-            </a:pPr>
-            <a:r>
-              <a:rPr lang="da-DK" sz="1100" dirty="0" err="1">
-                <a:solidFill>
-                  <a:srgbClr val="0000FF"/>
-                </a:solidFill>
-                <a:latin typeface="Consolas" panose="020B0609020204030204" pitchFamily="49" charset="0"/>
-              </a:rPr>
-              <a:t>void</a:t>
-            </a:r>
-            <a:r>
-              <a:rPr lang="da-DK" sz="1100" dirty="0">
-                <a:solidFill>
-                  <a:srgbClr val="000000"/>
-                </a:solidFill>
-                <a:latin typeface="Consolas" panose="020B0609020204030204" pitchFamily="49" charset="0"/>
-              </a:rPr>
-              <a:t> </a:t>
-            </a:r>
-            <a:r>
-              <a:rPr lang="da-DK" sz="1100" dirty="0" err="1">
-                <a:solidFill>
-                  <a:srgbClr val="000000"/>
-                </a:solidFill>
-                <a:latin typeface="Consolas" panose="020B0609020204030204" pitchFamily="49" charset="0"/>
-              </a:rPr>
-              <a:t>stopInj</a:t>
-            </a:r>
-            <a:r>
-              <a:rPr lang="da-DK" sz="1100" dirty="0">
-                <a:solidFill>
-                  <a:srgbClr val="000000"/>
-                </a:solidFill>
-                <a:latin typeface="Consolas" panose="020B0609020204030204" pitchFamily="49" charset="0"/>
-              </a:rPr>
-              <a:t>() {</a:t>
-            </a:r>
-          </a:p>
-          <a:p>
-            <a:pPr marL="0" indent="0">
-              <a:buNone/>
-            </a:pPr>
-            <a:r>
-              <a:rPr lang="en-GB" sz="1100" dirty="0">
-                <a:solidFill>
-                  <a:srgbClr val="000000"/>
-                </a:solidFill>
-                <a:latin typeface="Consolas" panose="020B0609020204030204" pitchFamily="49" charset="0"/>
-              </a:rPr>
-              <a:t>  </a:t>
-            </a:r>
-            <a:r>
-              <a:rPr lang="en-GB" sz="1100" dirty="0" err="1">
-                <a:solidFill>
-                  <a:srgbClr val="000000"/>
-                </a:solidFill>
-                <a:latin typeface="Consolas" panose="020B0609020204030204" pitchFamily="49" charset="0"/>
-              </a:rPr>
-              <a:t>digitalWrite</a:t>
-            </a:r>
-            <a:r>
-              <a:rPr lang="en-GB" sz="1100" dirty="0">
-                <a:solidFill>
-                  <a:srgbClr val="000000"/>
-                </a:solidFill>
-                <a:latin typeface="Consolas" panose="020B0609020204030204" pitchFamily="49" charset="0"/>
-              </a:rPr>
-              <a:t>(</a:t>
-            </a:r>
-            <a:r>
-              <a:rPr lang="en-GB" sz="1100" dirty="0" err="1">
-                <a:solidFill>
-                  <a:srgbClr val="6F008A"/>
-                </a:solidFill>
-                <a:latin typeface="Consolas" panose="020B0609020204030204" pitchFamily="49" charset="0"/>
-              </a:rPr>
-              <a:t>inject_pin</a:t>
-            </a:r>
-            <a:r>
-              <a:rPr lang="en-GB" sz="1100" dirty="0">
-                <a:solidFill>
-                  <a:srgbClr val="000000"/>
-                </a:solidFill>
-                <a:latin typeface="Consolas" panose="020B0609020204030204" pitchFamily="49" charset="0"/>
-              </a:rPr>
-              <a:t>, </a:t>
-            </a:r>
-            <a:r>
-              <a:rPr lang="en-GB" sz="1100" dirty="0">
-                <a:solidFill>
-                  <a:srgbClr val="6F008A"/>
-                </a:solidFill>
-                <a:latin typeface="Consolas" panose="020B0609020204030204" pitchFamily="49" charset="0"/>
-              </a:rPr>
-              <a:t>LOW</a:t>
-            </a:r>
-            <a:r>
-              <a:rPr lang="en-GB" sz="1100" dirty="0">
-                <a:solidFill>
-                  <a:srgbClr val="000000"/>
-                </a:solidFill>
-                <a:latin typeface="Consolas" panose="020B0609020204030204" pitchFamily="49" charset="0"/>
-              </a:rPr>
-              <a:t>); </a:t>
-            </a:r>
-            <a:r>
-              <a:rPr lang="en-GB" sz="1100" dirty="0">
-                <a:solidFill>
-                  <a:srgbClr val="008000"/>
-                </a:solidFill>
-                <a:latin typeface="Consolas" panose="020B0609020204030204" pitchFamily="49" charset="0"/>
-              </a:rPr>
-              <a:t>//Sends signal to stop injection</a:t>
-            </a:r>
-            <a:endParaRPr lang="en-GB" sz="1100" dirty="0">
-              <a:solidFill>
-                <a:srgbClr val="000000"/>
-              </a:solidFill>
-              <a:latin typeface="Consolas" panose="020B0609020204030204" pitchFamily="49" charset="0"/>
-            </a:endParaRPr>
-          </a:p>
-          <a:p>
-            <a:pPr marL="0" indent="0">
-              <a:buNone/>
-            </a:pPr>
-            <a:r>
-              <a:rPr lang="da-DK" sz="1100" dirty="0">
-                <a:solidFill>
-                  <a:srgbClr val="000000"/>
-                </a:solidFill>
-                <a:latin typeface="Consolas" panose="020B0609020204030204" pitchFamily="49" charset="0"/>
-              </a:rPr>
-              <a:t>}</a:t>
-            </a:r>
-            <a:endParaRPr lang="da-DK" sz="1100" dirty="0">
-              <a:solidFill>
-                <a:srgbClr val="0000FF"/>
-              </a:solidFill>
-              <a:latin typeface="Consolas" panose="020B0609020204030204" pitchFamily="49" charset="0"/>
-            </a:endParaRPr>
-          </a:p>
-          <a:p>
-            <a:pPr marL="0" indent="0">
-              <a:buNone/>
-            </a:pPr>
-            <a:r>
-              <a:rPr lang="da-DK" sz="1100" dirty="0" err="1">
-                <a:solidFill>
-                  <a:srgbClr val="0000FF"/>
-                </a:solidFill>
-                <a:latin typeface="Consolas" panose="020B0609020204030204" pitchFamily="49" charset="0"/>
-              </a:rPr>
-              <a:t>void</a:t>
-            </a:r>
-            <a:r>
-              <a:rPr lang="da-DK" sz="1100" dirty="0">
-                <a:solidFill>
-                  <a:srgbClr val="000000"/>
-                </a:solidFill>
-                <a:latin typeface="Consolas" panose="020B0609020204030204" pitchFamily="49" charset="0"/>
-              </a:rPr>
-              <a:t> </a:t>
-            </a:r>
-            <a:r>
-              <a:rPr lang="da-DK" sz="1100" dirty="0" err="1">
-                <a:solidFill>
-                  <a:srgbClr val="000000"/>
-                </a:solidFill>
-                <a:latin typeface="Consolas" panose="020B0609020204030204" pitchFamily="49" charset="0"/>
-              </a:rPr>
-              <a:t>initializeInjection</a:t>
-            </a:r>
-            <a:r>
-              <a:rPr lang="da-DK" sz="1100" dirty="0">
-                <a:solidFill>
-                  <a:srgbClr val="000000"/>
-                </a:solidFill>
-                <a:latin typeface="Consolas" panose="020B0609020204030204" pitchFamily="49" charset="0"/>
-              </a:rPr>
-              <a:t>() {</a:t>
-            </a:r>
-          </a:p>
-          <a:p>
-            <a:pPr marL="0" indent="0">
-              <a:buNone/>
-            </a:pPr>
-            <a:r>
-              <a:rPr lang="da-DK" sz="1100" dirty="0">
-                <a:solidFill>
-                  <a:srgbClr val="000000"/>
-                </a:solidFill>
-                <a:latin typeface="Consolas" panose="020B0609020204030204" pitchFamily="49" charset="0"/>
-              </a:rPr>
-              <a:t>  </a:t>
-            </a:r>
-            <a:r>
-              <a:rPr lang="da-DK" sz="1100" dirty="0" err="1">
-                <a:solidFill>
-                  <a:srgbClr val="000000"/>
-                </a:solidFill>
-                <a:latin typeface="Consolas" panose="020B0609020204030204" pitchFamily="49" charset="0"/>
-              </a:rPr>
-              <a:t>pinMode</a:t>
-            </a:r>
-            <a:r>
-              <a:rPr lang="da-DK" sz="1100" dirty="0">
-                <a:solidFill>
-                  <a:srgbClr val="000000"/>
-                </a:solidFill>
-                <a:latin typeface="Consolas" panose="020B0609020204030204" pitchFamily="49" charset="0"/>
-              </a:rPr>
-              <a:t>(</a:t>
-            </a:r>
-            <a:r>
-              <a:rPr lang="da-DK" sz="1100" dirty="0" err="1">
-                <a:solidFill>
-                  <a:srgbClr val="6F008A"/>
-                </a:solidFill>
-                <a:latin typeface="Consolas" panose="020B0609020204030204" pitchFamily="49" charset="0"/>
-              </a:rPr>
-              <a:t>inject_pin</a:t>
-            </a:r>
-            <a:r>
-              <a:rPr lang="da-DK" sz="1100" dirty="0">
-                <a:solidFill>
-                  <a:srgbClr val="000000"/>
-                </a:solidFill>
-                <a:latin typeface="Consolas" panose="020B0609020204030204" pitchFamily="49" charset="0"/>
-              </a:rPr>
-              <a:t>, </a:t>
-            </a:r>
-            <a:r>
-              <a:rPr lang="da-DK" sz="1100" dirty="0">
-                <a:solidFill>
-                  <a:srgbClr val="6F008A"/>
-                </a:solidFill>
-                <a:latin typeface="Consolas" panose="020B0609020204030204" pitchFamily="49" charset="0"/>
-              </a:rPr>
-              <a:t>OUTPUT</a:t>
-            </a:r>
-            <a:r>
-              <a:rPr lang="da-DK" sz="1100" dirty="0">
-                <a:solidFill>
-                  <a:srgbClr val="000000"/>
-                </a:solidFill>
-                <a:latin typeface="Consolas" panose="020B0609020204030204" pitchFamily="49" charset="0"/>
-              </a:rPr>
-              <a:t>);</a:t>
-            </a:r>
-          </a:p>
-          <a:p>
-            <a:pPr marL="0" indent="0">
-              <a:buNone/>
-            </a:pPr>
-            <a:r>
-              <a:rPr lang="en-GB" sz="1100" dirty="0">
-                <a:solidFill>
-                  <a:srgbClr val="000000"/>
-                </a:solidFill>
-                <a:latin typeface="Consolas" panose="020B0609020204030204" pitchFamily="49" charset="0"/>
-              </a:rPr>
-              <a:t>  </a:t>
-            </a:r>
-            <a:r>
-              <a:rPr lang="en-GB" sz="1100" dirty="0" err="1">
-                <a:solidFill>
-                  <a:srgbClr val="000000"/>
-                </a:solidFill>
-                <a:latin typeface="Consolas" panose="020B0609020204030204" pitchFamily="49" charset="0"/>
-              </a:rPr>
-              <a:t>TeensyDelay</a:t>
-            </a:r>
-            <a:r>
-              <a:rPr lang="en-GB" sz="1100" dirty="0">
-                <a:solidFill>
-                  <a:srgbClr val="000000"/>
-                </a:solidFill>
-                <a:latin typeface="Consolas" panose="020B0609020204030204" pitchFamily="49" charset="0"/>
-              </a:rPr>
-              <a:t>::</a:t>
-            </a:r>
-            <a:r>
-              <a:rPr lang="en-GB" sz="1100" dirty="0" err="1">
-                <a:solidFill>
-                  <a:srgbClr val="000000"/>
-                </a:solidFill>
-                <a:latin typeface="Consolas" panose="020B0609020204030204" pitchFamily="49" charset="0"/>
-              </a:rPr>
-              <a:t>addDelayChannel</a:t>
-            </a:r>
-            <a:r>
-              <a:rPr lang="en-GB" sz="1100" dirty="0">
-                <a:solidFill>
-                  <a:srgbClr val="000000"/>
-                </a:solidFill>
-                <a:latin typeface="Consolas" panose="020B0609020204030204" pitchFamily="49" charset="0"/>
-              </a:rPr>
-              <a:t>(</a:t>
-            </a:r>
-            <a:r>
-              <a:rPr lang="en-GB" sz="1100" dirty="0" err="1">
-                <a:solidFill>
-                  <a:srgbClr val="000000"/>
-                </a:solidFill>
-                <a:latin typeface="Consolas" panose="020B0609020204030204" pitchFamily="49" charset="0"/>
-              </a:rPr>
-              <a:t>stopInj</a:t>
-            </a:r>
-            <a:r>
-              <a:rPr lang="en-GB" sz="1100" dirty="0">
-                <a:solidFill>
-                  <a:srgbClr val="000000"/>
-                </a:solidFill>
-                <a:latin typeface="Consolas" panose="020B0609020204030204" pitchFamily="49" charset="0"/>
-              </a:rPr>
-              <a:t>, </a:t>
-            </a:r>
-            <a:r>
-              <a:rPr lang="en-GB" sz="1100" dirty="0">
-                <a:solidFill>
-                  <a:srgbClr val="6F008A"/>
-                </a:solidFill>
-                <a:latin typeface="Consolas" panose="020B0609020204030204" pitchFamily="49" charset="0"/>
-              </a:rPr>
-              <a:t>INJECTION_CHANNEL</a:t>
-            </a:r>
-            <a:r>
-              <a:rPr lang="en-GB" sz="1100" dirty="0">
-                <a:solidFill>
-                  <a:srgbClr val="000000"/>
-                </a:solidFill>
-                <a:latin typeface="Consolas" panose="020B0609020204030204" pitchFamily="49" charset="0"/>
-              </a:rPr>
-              <a:t>);</a:t>
-            </a:r>
-          </a:p>
-          <a:p>
-            <a:pPr marL="0" indent="0">
-              <a:buNone/>
-            </a:pPr>
-            <a:r>
-              <a:rPr lang="da-DK" sz="1100" dirty="0">
-                <a:solidFill>
-                  <a:srgbClr val="000000"/>
-                </a:solidFill>
-                <a:latin typeface="Consolas" panose="020B0609020204030204" pitchFamily="49" charset="0"/>
-              </a:rPr>
-              <a:t>  </a:t>
-            </a:r>
-            <a:r>
-              <a:rPr lang="da-DK" sz="1100" dirty="0" err="1">
-                <a:solidFill>
-                  <a:srgbClr val="000000"/>
-                </a:solidFill>
-                <a:latin typeface="Consolas" panose="020B0609020204030204" pitchFamily="49" charset="0"/>
-              </a:rPr>
-              <a:t>stopInj</a:t>
-            </a:r>
-            <a:r>
-              <a:rPr lang="da-DK" sz="1100" dirty="0">
-                <a:solidFill>
-                  <a:srgbClr val="000000"/>
-                </a:solidFill>
-                <a:latin typeface="Consolas" panose="020B0609020204030204" pitchFamily="49" charset="0"/>
-              </a:rPr>
-              <a:t>();</a:t>
-            </a:r>
-          </a:p>
-          <a:p>
-            <a:pPr marL="0" indent="0">
-              <a:buNone/>
-            </a:pPr>
-            <a:r>
-              <a:rPr lang="da-DK" sz="1100" dirty="0">
-                <a:solidFill>
-                  <a:srgbClr val="000000"/>
-                </a:solidFill>
-                <a:latin typeface="Consolas" panose="020B0609020204030204" pitchFamily="49" charset="0"/>
-              </a:rPr>
-              <a:t>}</a:t>
-            </a:r>
-            <a:endParaRPr lang="en-GB" sz="1100" dirty="0">
-              <a:solidFill>
-                <a:srgbClr val="0000FF"/>
-              </a:solidFill>
-              <a:latin typeface="Consolas" panose="020B0609020204030204" pitchFamily="49" charset="0"/>
-            </a:endParaRPr>
-          </a:p>
-          <a:p>
-            <a:pPr marL="0" indent="0">
-              <a:buNone/>
-            </a:pPr>
-            <a:r>
-              <a:rPr lang="en-GB" sz="1100" dirty="0">
-                <a:solidFill>
-                  <a:srgbClr val="0000FF"/>
-                </a:solidFill>
-                <a:latin typeface="Consolas" panose="020B0609020204030204" pitchFamily="49" charset="0"/>
-              </a:rPr>
-              <a:t>void</a:t>
-            </a:r>
-            <a:r>
-              <a:rPr lang="en-GB" sz="1100" dirty="0">
-                <a:solidFill>
-                  <a:srgbClr val="000000"/>
-                </a:solidFill>
-                <a:latin typeface="Consolas" panose="020B0609020204030204" pitchFamily="49" charset="0"/>
-              </a:rPr>
-              <a:t> </a:t>
-            </a:r>
-            <a:r>
-              <a:rPr lang="en-GB" sz="1100" dirty="0" err="1">
-                <a:solidFill>
-                  <a:srgbClr val="000000"/>
-                </a:solidFill>
-                <a:latin typeface="Consolas" panose="020B0609020204030204" pitchFamily="49" charset="0"/>
-              </a:rPr>
-              <a:t>injectionCheck</a:t>
-            </a:r>
-            <a:r>
-              <a:rPr lang="en-GB" sz="1100" dirty="0">
-                <a:solidFill>
-                  <a:srgbClr val="000000"/>
-                </a:solidFill>
-                <a:latin typeface="Consolas" panose="020B0609020204030204" pitchFamily="49" charset="0"/>
-              </a:rPr>
-              <a:t>(</a:t>
-            </a:r>
-            <a:r>
-              <a:rPr lang="en-GB" sz="1100" dirty="0">
-                <a:solidFill>
-                  <a:srgbClr val="0000FF"/>
-                </a:solidFill>
-                <a:latin typeface="Consolas" panose="020B0609020204030204" pitchFamily="49" charset="0"/>
-              </a:rPr>
-              <a:t>char</a:t>
-            </a:r>
-            <a:r>
-              <a:rPr lang="en-GB" sz="1100" dirty="0">
-                <a:solidFill>
-                  <a:srgbClr val="000000"/>
-                </a:solidFill>
-                <a:latin typeface="Consolas" panose="020B0609020204030204" pitchFamily="49" charset="0"/>
-              </a:rPr>
-              <a:t> </a:t>
-            </a:r>
-            <a:r>
-              <a:rPr lang="en-GB" sz="1100" dirty="0" err="1">
-                <a:solidFill>
-                  <a:srgbClr val="808080"/>
-                </a:solidFill>
-                <a:latin typeface="Consolas" panose="020B0609020204030204" pitchFamily="49" charset="0"/>
-              </a:rPr>
-              <a:t>startAngle</a:t>
-            </a:r>
-            <a:r>
-              <a:rPr lang="en-GB" sz="1100" dirty="0">
-                <a:solidFill>
-                  <a:srgbClr val="000000"/>
-                </a:solidFill>
-                <a:latin typeface="Consolas" panose="020B0609020204030204" pitchFamily="49" charset="0"/>
-              </a:rPr>
-              <a:t>, </a:t>
-            </a:r>
-            <a:r>
-              <a:rPr lang="en-GB" sz="1100" dirty="0">
-                <a:solidFill>
-                  <a:srgbClr val="0000FF"/>
-                </a:solidFill>
-                <a:latin typeface="Consolas" panose="020B0609020204030204" pitchFamily="49" charset="0"/>
-              </a:rPr>
-              <a:t>double</a:t>
-            </a:r>
-            <a:r>
-              <a:rPr lang="en-GB" sz="1100" dirty="0">
-                <a:solidFill>
-                  <a:srgbClr val="000000"/>
-                </a:solidFill>
-                <a:latin typeface="Consolas" panose="020B0609020204030204" pitchFamily="49" charset="0"/>
-              </a:rPr>
-              <a:t>  </a:t>
-            </a:r>
-            <a:r>
-              <a:rPr lang="en-GB" sz="1100" dirty="0">
-                <a:solidFill>
-                  <a:srgbClr val="808080"/>
-                </a:solidFill>
-                <a:latin typeface="Consolas" panose="020B0609020204030204" pitchFamily="49" charset="0"/>
-              </a:rPr>
-              <a:t>time</a:t>
-            </a:r>
-            <a:r>
-              <a:rPr lang="en-GB" sz="1100" dirty="0">
-                <a:solidFill>
-                  <a:srgbClr val="000000"/>
-                </a:solidFill>
-                <a:latin typeface="Consolas" panose="020B0609020204030204" pitchFamily="49" charset="0"/>
-              </a:rPr>
-              <a:t>, </a:t>
-            </a:r>
-            <a:r>
-              <a:rPr lang="en-GB" sz="1100" dirty="0">
-                <a:solidFill>
-                  <a:srgbClr val="0000FF"/>
-                </a:solidFill>
-                <a:latin typeface="Consolas" panose="020B0609020204030204" pitchFamily="49" charset="0"/>
-              </a:rPr>
-              <a:t>char</a:t>
-            </a:r>
-            <a:r>
-              <a:rPr lang="en-GB" sz="1100" dirty="0">
-                <a:solidFill>
-                  <a:srgbClr val="000000"/>
-                </a:solidFill>
-                <a:latin typeface="Consolas" panose="020B0609020204030204" pitchFamily="49" charset="0"/>
-              </a:rPr>
-              <a:t> </a:t>
-            </a:r>
-            <a:r>
-              <a:rPr lang="en-GB" sz="1100" dirty="0" err="1">
-                <a:solidFill>
-                  <a:srgbClr val="808080"/>
-                </a:solidFill>
-                <a:latin typeface="Consolas" panose="020B0609020204030204" pitchFamily="49" charset="0"/>
-              </a:rPr>
-              <a:t>posAngle</a:t>
-            </a:r>
-            <a:r>
-              <a:rPr lang="en-GB" sz="1100" dirty="0">
-                <a:solidFill>
-                  <a:srgbClr val="000000"/>
-                </a:solidFill>
-                <a:latin typeface="Consolas" panose="020B0609020204030204" pitchFamily="49" charset="0"/>
-              </a:rPr>
-              <a:t>){</a:t>
-            </a:r>
-          </a:p>
-          <a:p>
-            <a:pPr marL="0" indent="0">
-              <a:buNone/>
-            </a:pPr>
-            <a:r>
-              <a:rPr lang="en-GB" sz="1100" dirty="0">
-                <a:solidFill>
-                  <a:srgbClr val="0000FF"/>
-                </a:solidFill>
-                <a:latin typeface="Consolas" panose="020B0609020204030204" pitchFamily="49" charset="0"/>
-              </a:rPr>
-              <a:t>  if</a:t>
-            </a:r>
-            <a:r>
-              <a:rPr lang="en-GB" sz="1100" dirty="0">
-                <a:solidFill>
-                  <a:srgbClr val="000000"/>
-                </a:solidFill>
-                <a:latin typeface="Consolas" panose="020B0609020204030204" pitchFamily="49" charset="0"/>
-              </a:rPr>
-              <a:t> (!</a:t>
-            </a:r>
-            <a:r>
-              <a:rPr lang="en-GB" sz="1100" dirty="0" err="1">
-                <a:solidFill>
-                  <a:srgbClr val="000000"/>
-                </a:solidFill>
-                <a:latin typeface="Consolas" panose="020B0609020204030204" pitchFamily="49" charset="0"/>
-              </a:rPr>
-              <a:t>digitalRead</a:t>
-            </a:r>
-            <a:r>
-              <a:rPr lang="en-GB" sz="1100" dirty="0">
-                <a:solidFill>
-                  <a:srgbClr val="000000"/>
-                </a:solidFill>
-                <a:latin typeface="Consolas" panose="020B0609020204030204" pitchFamily="49" charset="0"/>
-              </a:rPr>
-              <a:t>(</a:t>
-            </a:r>
-            <a:r>
-              <a:rPr lang="en-GB" sz="1100" dirty="0" err="1">
-                <a:solidFill>
-                  <a:srgbClr val="6F008A"/>
-                </a:solidFill>
-                <a:latin typeface="Consolas" panose="020B0609020204030204" pitchFamily="49" charset="0"/>
-              </a:rPr>
-              <a:t>inject_pin</a:t>
-            </a:r>
-            <a:r>
-              <a:rPr lang="en-GB" sz="1100" dirty="0">
-                <a:solidFill>
-                  <a:srgbClr val="000000"/>
-                </a:solidFill>
-                <a:latin typeface="Consolas" panose="020B0609020204030204" pitchFamily="49" charset="0"/>
-              </a:rPr>
-              <a:t>) &amp;&amp; (</a:t>
-            </a:r>
-            <a:r>
-              <a:rPr lang="en-GB" sz="1100" dirty="0" err="1">
-                <a:solidFill>
-                  <a:srgbClr val="808080"/>
-                </a:solidFill>
-                <a:latin typeface="Consolas" panose="020B0609020204030204" pitchFamily="49" charset="0"/>
-              </a:rPr>
-              <a:t>posAngle</a:t>
-            </a:r>
-            <a:r>
-              <a:rPr lang="en-GB" sz="1100" dirty="0">
-                <a:solidFill>
-                  <a:srgbClr val="000000"/>
-                </a:solidFill>
-                <a:latin typeface="Consolas" panose="020B0609020204030204" pitchFamily="49" charset="0"/>
-              </a:rPr>
-              <a:t> &gt;= </a:t>
-            </a:r>
-            <a:r>
-              <a:rPr lang="en-GB" sz="1100" dirty="0" err="1">
-                <a:solidFill>
-                  <a:srgbClr val="808080"/>
-                </a:solidFill>
-                <a:latin typeface="Consolas" panose="020B0609020204030204" pitchFamily="49" charset="0"/>
-              </a:rPr>
-              <a:t>startAngle</a:t>
-            </a:r>
-            <a:r>
-              <a:rPr lang="en-GB" sz="1100" dirty="0">
-                <a:solidFill>
-                  <a:srgbClr val="000000"/>
-                </a:solidFill>
-                <a:latin typeface="Consolas" panose="020B0609020204030204" pitchFamily="49" charset="0"/>
-              </a:rPr>
-              <a:t> &amp;&amp; </a:t>
-            </a:r>
-            <a:r>
-              <a:rPr lang="en-GB" sz="1100" dirty="0" err="1">
-                <a:solidFill>
-                  <a:srgbClr val="808080"/>
-                </a:solidFill>
-                <a:latin typeface="Consolas" panose="020B0609020204030204" pitchFamily="49" charset="0"/>
-              </a:rPr>
-              <a:t>posAngle</a:t>
-            </a:r>
-            <a:r>
-              <a:rPr lang="en-GB" sz="1100" dirty="0">
-                <a:solidFill>
-                  <a:srgbClr val="000000"/>
-                </a:solidFill>
-                <a:latin typeface="Consolas" panose="020B0609020204030204" pitchFamily="49" charset="0"/>
-              </a:rPr>
-              <a:t> &lt;= </a:t>
-            </a:r>
-            <a:r>
-              <a:rPr lang="en-GB" sz="1100" dirty="0" err="1">
-                <a:solidFill>
-                  <a:srgbClr val="808080"/>
-                </a:solidFill>
-                <a:latin typeface="Consolas" panose="020B0609020204030204" pitchFamily="49" charset="0"/>
-              </a:rPr>
-              <a:t>startAngle</a:t>
-            </a:r>
-            <a:r>
-              <a:rPr lang="en-GB" sz="1100" dirty="0">
-                <a:solidFill>
-                  <a:srgbClr val="000000"/>
-                </a:solidFill>
-                <a:latin typeface="Consolas" panose="020B0609020204030204" pitchFamily="49" charset="0"/>
-              </a:rPr>
-              <a:t> + 10)) {</a:t>
-            </a:r>
-          </a:p>
-          <a:p>
-            <a:pPr marL="0" indent="0">
-              <a:buNone/>
-            </a:pPr>
-            <a:r>
-              <a:rPr lang="da-DK" sz="1100" dirty="0">
-                <a:solidFill>
-                  <a:srgbClr val="000000"/>
-                </a:solidFill>
-                <a:latin typeface="Consolas" panose="020B0609020204030204" pitchFamily="49" charset="0"/>
-              </a:rPr>
-              <a:t>    </a:t>
-            </a:r>
-            <a:r>
-              <a:rPr lang="da-DK" sz="1100" dirty="0" err="1">
-                <a:solidFill>
-                  <a:srgbClr val="000000"/>
-                </a:solidFill>
-                <a:latin typeface="Consolas" panose="020B0609020204030204" pitchFamily="49" charset="0"/>
-              </a:rPr>
-              <a:t>startInj</a:t>
-            </a:r>
-            <a:r>
-              <a:rPr lang="da-DK" sz="1100" dirty="0">
-                <a:solidFill>
-                  <a:srgbClr val="000000"/>
-                </a:solidFill>
-                <a:latin typeface="Consolas" panose="020B0609020204030204" pitchFamily="49" charset="0"/>
-              </a:rPr>
-              <a:t>();</a:t>
-            </a:r>
-          </a:p>
-          <a:p>
-            <a:pPr marL="0" indent="0">
-              <a:buNone/>
-            </a:pPr>
-            <a:r>
-              <a:rPr lang="en-GB" sz="1100" dirty="0">
-                <a:solidFill>
-                  <a:srgbClr val="000000"/>
-                </a:solidFill>
-                <a:latin typeface="Consolas" panose="020B0609020204030204" pitchFamily="49" charset="0"/>
-              </a:rPr>
-              <a:t>    </a:t>
-            </a:r>
-            <a:r>
-              <a:rPr lang="en-GB" sz="1100" dirty="0" err="1">
-                <a:solidFill>
-                  <a:srgbClr val="000000"/>
-                </a:solidFill>
-                <a:latin typeface="Consolas" panose="020B0609020204030204" pitchFamily="49" charset="0"/>
-              </a:rPr>
-              <a:t>TeensyDelay</a:t>
-            </a:r>
-            <a:r>
-              <a:rPr lang="en-GB" sz="1100" dirty="0">
-                <a:solidFill>
-                  <a:srgbClr val="000000"/>
-                </a:solidFill>
-                <a:latin typeface="Consolas" panose="020B0609020204030204" pitchFamily="49" charset="0"/>
-              </a:rPr>
-              <a:t>::trigger(</a:t>
-            </a:r>
-            <a:r>
-              <a:rPr lang="en-GB" sz="1100" dirty="0">
-                <a:solidFill>
-                  <a:srgbClr val="808080"/>
-                </a:solidFill>
-                <a:latin typeface="Consolas" panose="020B0609020204030204" pitchFamily="49" charset="0"/>
-              </a:rPr>
-              <a:t>time</a:t>
-            </a:r>
-            <a:r>
-              <a:rPr lang="en-GB" sz="1100" dirty="0">
-                <a:solidFill>
-                  <a:srgbClr val="000000"/>
-                </a:solidFill>
-                <a:latin typeface="Consolas" panose="020B0609020204030204" pitchFamily="49" charset="0"/>
-              </a:rPr>
-              <a:t>, </a:t>
-            </a:r>
-            <a:r>
-              <a:rPr lang="en-GB" sz="1100" dirty="0">
-                <a:solidFill>
-                  <a:srgbClr val="6F008A"/>
-                </a:solidFill>
-                <a:latin typeface="Consolas" panose="020B0609020204030204" pitchFamily="49" charset="0"/>
-              </a:rPr>
-              <a:t>INJECTION_CHANNEL</a:t>
-            </a:r>
-            <a:r>
-              <a:rPr lang="en-GB" sz="1100" dirty="0">
-                <a:solidFill>
-                  <a:srgbClr val="000000"/>
-                </a:solidFill>
-                <a:latin typeface="Consolas" panose="020B0609020204030204" pitchFamily="49" charset="0"/>
-              </a:rPr>
-              <a:t>);</a:t>
-            </a:r>
-          </a:p>
-          <a:p>
-            <a:pPr marL="0" indent="0">
-              <a:buNone/>
-            </a:pPr>
-            <a:r>
-              <a:rPr lang="da-DK" sz="1100" dirty="0">
-                <a:solidFill>
-                  <a:srgbClr val="000000"/>
-                </a:solidFill>
-                <a:latin typeface="Consolas" panose="020B0609020204030204" pitchFamily="49" charset="0"/>
-              </a:rPr>
-              <a:t>  }</a:t>
-            </a:r>
-          </a:p>
-          <a:p>
-            <a:pPr marL="0" indent="0">
-              <a:buNone/>
-            </a:pPr>
-            <a:r>
-              <a:rPr lang="da-DK" sz="1100" dirty="0">
-                <a:solidFill>
-                  <a:srgbClr val="000000"/>
-                </a:solidFill>
-                <a:latin typeface="Consolas" panose="020B0609020204030204" pitchFamily="49" charset="0"/>
-              </a:rPr>
-              <a:t>}</a:t>
-            </a:r>
-            <a:endParaRPr lang="da-DK" sz="1100" dirty="0"/>
+            <a:r>
+              <a:rPr lang="da-DK" dirty="0"/>
+              <a:t>Hvordan erstattes den effektforbrugende RIO af en anden mere </a:t>
+            </a:r>
+            <a:r>
+              <a:rPr lang="da-DK" dirty="0" err="1"/>
+              <a:t>enegieffektiv</a:t>
+            </a:r>
+            <a:r>
+              <a:rPr lang="da-DK" dirty="0"/>
+              <a:t> platform, der ved hjælp af en </a:t>
+            </a:r>
+            <a:r>
+              <a:rPr lang="da-DK" dirty="0" err="1"/>
+              <a:t>microcontroller</a:t>
+            </a:r>
+            <a:r>
+              <a:rPr lang="da-DK" dirty="0"/>
+              <a:t> opfylder følgende krav:</a:t>
+            </a:r>
+          </a:p>
+          <a:p>
+            <a:r>
+              <a:rPr lang="da-DK" dirty="0"/>
+              <a:t>Den skal have en nødsluk-funktion der slukker korrekt for motoren</a:t>
+            </a:r>
+          </a:p>
+          <a:p>
+            <a:r>
+              <a:rPr lang="da-DK" dirty="0"/>
+              <a:t>Den skal kunne operere en elektrisk motortænding, for at kunne starte bilen</a:t>
+            </a:r>
+          </a:p>
+          <a:p>
+            <a:r>
+              <a:rPr lang="da-DK" dirty="0"/>
+              <a:t>N ̊ar den starter bilen, skal den indikere dette gennem røde startlys med en lysstyrke der svarer til en 12W glødepære</a:t>
+            </a:r>
+          </a:p>
+          <a:p>
+            <a:r>
+              <a:rPr lang="da-DK" dirty="0"/>
+              <a:t>Motoren skal kun køre s ̊a længe den modtager et kontinuert signal fra føreren af bilen</a:t>
+            </a:r>
+          </a:p>
+          <a:p>
+            <a:r>
+              <a:rPr lang="da-DK" dirty="0"/>
+              <a:t>Den skal kunne modtage kommandoer fra motorboardet</a:t>
+            </a:r>
+          </a:p>
+          <a:p>
+            <a:endParaRPr lang="da-DK" dirty="0"/>
           </a:p>
         </p:txBody>
       </p:sp>
@@ -4582,7 +4122,7 @@
           <p:cNvPr id="4" name="Pladsholder til dato 3">
             <a:extLst>
               <a:ext uri="{FF2B5EF4-FFF2-40B4-BE49-F238E27FC236}">
-                <a16:creationId xmlns:a16="http://schemas.microsoft.com/office/drawing/2014/main" id="{426F8531-E253-4C79-B6CA-0635EF6820F9}"/>
+                <a16:creationId xmlns:a16="http://schemas.microsoft.com/office/drawing/2014/main" id="{85652099-B631-4221-A1C6-CF0E43CB4613}"/>
               </a:ext>
             </a:extLst>
           </p:cNvPr>
@@ -4611,7 +4151,7 @@
           <p:cNvPr id="5" name="Pladsholder til sidefod 4">
             <a:extLst>
               <a:ext uri="{FF2B5EF4-FFF2-40B4-BE49-F238E27FC236}">
-                <a16:creationId xmlns:a16="http://schemas.microsoft.com/office/drawing/2014/main" id="{AF9FB5E2-6EA7-4136-9506-49FB0E023843}"/>
+                <a16:creationId xmlns:a16="http://schemas.microsoft.com/office/drawing/2014/main" id="{70B290AC-4F40-4A10-AEE7-549E89C2B033}"/>
               </a:ext>
             </a:extLst>
           </p:cNvPr>
@@ -4640,7 +4180,7 @@
           <p:cNvPr id="6" name="Pladsholder til slidenummer 5">
             <a:extLst>
               <a:ext uri="{FF2B5EF4-FFF2-40B4-BE49-F238E27FC236}">
-                <a16:creationId xmlns:a16="http://schemas.microsoft.com/office/drawing/2014/main" id="{0257F272-1AEF-47A9-BDCD-E727799EC360}"/>
+                <a16:creationId xmlns:a16="http://schemas.microsoft.com/office/drawing/2014/main" id="{FC69C384-B544-4D5F-8A2A-29E2662BBB98}"/>
               </a:ext>
             </a:extLst>
           </p:cNvPr>
@@ -4668,7 +4208,7 @@
     </p:spTree>
     <p:extLst>
       <p:ext uri="{BB962C8B-B14F-4D97-AF65-F5344CB8AC3E}">
-        <p14:creationId xmlns:p14="http://schemas.microsoft.com/office/powerpoint/2010/main" val="2782959768"/>
+        <p14:creationId xmlns:p14="http://schemas.microsoft.com/office/powerpoint/2010/main" val="296589255"/>
       </p:ext>
     </p:extLst>
   </p:cSld>
@@ -4697,6 +4237,1175 @@
       </p:grpSpPr>
       <p:sp>
         <p:nvSpPr>
+          <p:cNvPr id="8" name="Title 7"/>
+          <p:cNvSpPr>
+            <a:spLocks noGrp="1"/>
+          </p:cNvSpPr>
+          <p:nvPr>
+            <p:ph type="title"/>
+          </p:nvPr>
+        </p:nvSpPr>
+        <p:spPr/>
+        <p:txBody>
+          <a:bodyPr/>
+          <a:lstStyle/>
+          <a:p>
+            <a:r>
+              <a:rPr lang="da-DK" dirty="0"/>
+              <a:t>Udfordringer</a:t>
+            </a:r>
+          </a:p>
+        </p:txBody>
+      </p:sp>
+      <p:sp>
+        <p:nvSpPr>
+          <p:cNvPr id="9" name="Content Placeholder 8"/>
+          <p:cNvSpPr>
+            <a:spLocks noGrp="1"/>
+          </p:cNvSpPr>
+          <p:nvPr>
+            <p:ph idx="1"/>
+          </p:nvPr>
+        </p:nvSpPr>
+        <p:spPr/>
+        <p:txBody>
+          <a:bodyPr/>
+          <a:lstStyle/>
+          <a:p>
+            <a:r>
+              <a:rPr lang="da-DK" dirty="0"/>
+              <a:t>Samarbejde med andre linjer</a:t>
+            </a:r>
+          </a:p>
+          <a:p>
+            <a:r>
+              <a:rPr lang="da-DK" dirty="0"/>
+              <a:t>Styring af brændstofs mængde</a:t>
+            </a:r>
+          </a:p>
+          <a:p>
+            <a:endParaRPr lang="da-DK" dirty="0"/>
+          </a:p>
+        </p:txBody>
+      </p:sp>
+      <p:sp>
+        <p:nvSpPr>
+          <p:cNvPr id="5" name="Date_CustomB"/>
+          <p:cNvSpPr>
+            <a:spLocks noGrp="1"/>
+          </p:cNvSpPr>
+          <p:nvPr>
+            <p:ph type="dt" sz="half" idx="10"/>
+          </p:nvPr>
+        </p:nvSpPr>
+        <p:spPr/>
+        <p:txBody>
+          <a:bodyPr/>
+          <a:lstStyle/>
+          <a:p>
+            <a:r>
+              <a:rPr lang="da-DK" dirty="0"/>
+              <a:t>29. april 2018</a:t>
+            </a:r>
+          </a:p>
+        </p:txBody>
+      </p:sp>
+      <p:sp>
+        <p:nvSpPr>
+          <p:cNvPr id="4" name="Slide Number Placeholder 3"/>
+          <p:cNvSpPr>
+            <a:spLocks noGrp="1"/>
+          </p:cNvSpPr>
+          <p:nvPr>
+            <p:ph type="sldNum" sz="quarter" idx="12"/>
+          </p:nvPr>
+        </p:nvSpPr>
+        <p:spPr/>
+        <p:txBody>
+          <a:bodyPr/>
+          <a:lstStyle/>
+          <a:p>
+            <a:fld id="{103EA872-A674-449B-A120-B97244F8E91D}" type="slidenum">
+              <a:rPr lang="da-DK" smtClean="0"/>
+              <a:pPr/>
+              <a:t>4</a:t>
+            </a:fld>
+            <a:endParaRPr lang="da-DK"/>
+          </a:p>
+        </p:txBody>
+      </p:sp>
+      <p:sp>
+        <p:nvSpPr>
+          <p:cNvPr id="2" name="FLD_Presentation Title"/>
+          <p:cNvSpPr>
+            <a:spLocks noGrp="1"/>
+          </p:cNvSpPr>
+          <p:nvPr>
+            <p:ph type="ftr" sz="quarter" idx="11"/>
+          </p:nvPr>
+        </p:nvSpPr>
+        <p:spPr/>
+        <p:txBody>
+          <a:bodyPr/>
+          <a:lstStyle/>
+          <a:p>
+            <a:r>
+              <a:rPr lang="da-DK" dirty="0"/>
+              <a:t>Fagprojekt - Motorstyring på økobilen</a:t>
+            </a:r>
+          </a:p>
+        </p:txBody>
+      </p:sp>
+    </p:spTree>
+    <p:custDataLst>
+      <p:tags r:id="rId1"/>
+    </p:custDataLst>
+    <p:extLst>
+      <p:ext uri="{BB962C8B-B14F-4D97-AF65-F5344CB8AC3E}">
+        <p14:creationId xmlns:p14="http://schemas.microsoft.com/office/powerpoint/2010/main" val="330345137"/>
+      </p:ext>
+    </p:extLst>
+  </p:cSld>
+  <p:clrMapOvr>
+    <a:masterClrMapping/>
+  </p:clrMapOvr>
+</p:sld>
+</file>
+
+<file path=ppt/slides/slide5.xml><?xml version="1.0" encoding="utf-8"?>
+<p:sld xmlns:a="http://schemas.openxmlformats.org/drawingml/2006/main" xmlns:r="http://schemas.openxmlformats.org/officeDocument/2006/relationships" xmlns:p="http://schemas.openxmlformats.org/presentationml/2006/main">
+  <p:cSld>
+    <p:spTree>
+      <p:nvGrpSpPr>
+        <p:cNvPr id="1" name=""/>
+        <p:cNvGrpSpPr/>
+        <p:nvPr/>
+      </p:nvGrpSpPr>
+      <p:grpSpPr>
+        <a:xfrm>
+          <a:off x="0" y="0"/>
+          <a:ext cx="0" cy="0"/>
+          <a:chOff x="0" y="0"/>
+          <a:chExt cx="0" cy="0"/>
+        </a:xfrm>
+      </p:grpSpPr>
+      <p:sp>
+        <p:nvSpPr>
+          <p:cNvPr id="2" name="Titel 1">
+            <a:extLst>
+              <a:ext uri="{FF2B5EF4-FFF2-40B4-BE49-F238E27FC236}">
+                <a16:creationId xmlns:a16="http://schemas.microsoft.com/office/drawing/2014/main" id="{7DC530C6-3CA2-470C-8F2E-732D71DB38DD}"/>
+              </a:ext>
+            </a:extLst>
+          </p:cNvPr>
+          <p:cNvSpPr>
+            <a:spLocks noGrp="1"/>
+          </p:cNvSpPr>
+          <p:nvPr>
+            <p:ph type="title"/>
+          </p:nvPr>
+        </p:nvSpPr>
+        <p:spPr/>
+        <p:txBody>
+          <a:bodyPr/>
+          <a:lstStyle/>
+          <a:p>
+            <a:r>
+              <a:rPr lang="da-DK" dirty="0"/>
+              <a:t>Programmering – </a:t>
+            </a:r>
+            <a:r>
+              <a:rPr lang="da-DK" dirty="0" err="1"/>
+              <a:t>Interrupts</a:t>
+            </a:r>
+            <a:endParaRPr lang="da-DK" dirty="0"/>
+          </a:p>
+        </p:txBody>
+      </p:sp>
+      <p:sp>
+        <p:nvSpPr>
+          <p:cNvPr id="3" name="Pladsholder til indhold 2">
+            <a:extLst>
+              <a:ext uri="{FF2B5EF4-FFF2-40B4-BE49-F238E27FC236}">
+                <a16:creationId xmlns:a16="http://schemas.microsoft.com/office/drawing/2014/main" id="{7DC2DE8F-3EBE-4208-BCD4-11B27EAB4370}"/>
+              </a:ext>
+            </a:extLst>
+          </p:cNvPr>
+          <p:cNvSpPr>
+            <a:spLocks noGrp="1"/>
+          </p:cNvSpPr>
+          <p:nvPr>
+            <p:ph idx="1"/>
+          </p:nvPr>
+        </p:nvSpPr>
+        <p:spPr/>
+        <p:txBody>
+          <a:bodyPr/>
+          <a:lstStyle/>
+          <a:p>
+            <a:r>
+              <a:rPr lang="da-DK" dirty="0">
+                <a:solidFill>
+                  <a:srgbClr val="000000"/>
+                </a:solidFill>
+                <a:latin typeface="Consolas" panose="020B0609020204030204" pitchFamily="49" charset="0"/>
+              </a:rPr>
+              <a:t>Tidskritisk programmering</a:t>
+            </a:r>
+          </a:p>
+          <a:p>
+            <a:pPr lvl="1"/>
+            <a:r>
+              <a:rPr lang="da-DK" dirty="0">
+                <a:solidFill>
+                  <a:srgbClr val="000000"/>
+                </a:solidFill>
+                <a:latin typeface="Consolas" panose="020B0609020204030204" pitchFamily="49" charset="0"/>
+              </a:rPr>
+              <a:t>Fordele og udfordringer</a:t>
+            </a:r>
+          </a:p>
+          <a:p>
+            <a:pPr marL="0" indent="0">
+              <a:buNone/>
+            </a:pPr>
+            <a:endParaRPr lang="da-DK" dirty="0">
+              <a:solidFill>
+                <a:srgbClr val="000000"/>
+              </a:solidFill>
+              <a:latin typeface="Consolas" panose="020B0609020204030204" pitchFamily="49" charset="0"/>
+            </a:endParaRPr>
+          </a:p>
+          <a:p>
+            <a:endParaRPr lang="da-DK" dirty="0">
+              <a:solidFill>
+                <a:srgbClr val="000000"/>
+              </a:solidFill>
+              <a:latin typeface="Consolas" panose="020B0609020204030204" pitchFamily="49" charset="0"/>
+            </a:endParaRPr>
+          </a:p>
+          <a:p>
+            <a:pPr marL="0" indent="0">
+              <a:buNone/>
+            </a:pPr>
+            <a:r>
+              <a:rPr lang="da-DK" sz="1100" dirty="0" err="1">
+                <a:solidFill>
+                  <a:srgbClr val="0000FF"/>
+                </a:solidFill>
+                <a:latin typeface="Consolas" panose="020B0609020204030204" pitchFamily="49" charset="0"/>
+              </a:rPr>
+              <a:t>void</a:t>
+            </a:r>
+            <a:r>
+              <a:rPr lang="da-DK" sz="1100" dirty="0">
+                <a:solidFill>
+                  <a:srgbClr val="000000"/>
+                </a:solidFill>
+                <a:latin typeface="Consolas" panose="020B0609020204030204" pitchFamily="49" charset="0"/>
+              </a:rPr>
+              <a:t> </a:t>
+            </a:r>
+            <a:r>
+              <a:rPr lang="da-DK" sz="1100" dirty="0" err="1">
+                <a:solidFill>
+                  <a:srgbClr val="000000"/>
+                </a:solidFill>
+                <a:latin typeface="Consolas" panose="020B0609020204030204" pitchFamily="49" charset="0"/>
+              </a:rPr>
+              <a:t>stopInj</a:t>
+            </a:r>
+            <a:r>
+              <a:rPr lang="da-DK" sz="1100" dirty="0">
+                <a:solidFill>
+                  <a:srgbClr val="000000"/>
+                </a:solidFill>
+                <a:latin typeface="Consolas" panose="020B0609020204030204" pitchFamily="49" charset="0"/>
+              </a:rPr>
+              <a:t>() {</a:t>
+            </a:r>
+          </a:p>
+          <a:p>
+            <a:pPr marL="0" indent="0">
+              <a:buNone/>
+            </a:pPr>
+            <a:r>
+              <a:rPr lang="en-GB" sz="1100" dirty="0">
+                <a:solidFill>
+                  <a:srgbClr val="000000"/>
+                </a:solidFill>
+                <a:latin typeface="Consolas" panose="020B0609020204030204" pitchFamily="49" charset="0"/>
+              </a:rPr>
+              <a:t>  </a:t>
+            </a:r>
+            <a:r>
+              <a:rPr lang="en-GB" sz="1100" dirty="0" err="1">
+                <a:solidFill>
+                  <a:srgbClr val="000000"/>
+                </a:solidFill>
+                <a:latin typeface="Consolas" panose="020B0609020204030204" pitchFamily="49" charset="0"/>
+              </a:rPr>
+              <a:t>digitalWrite</a:t>
+            </a:r>
+            <a:r>
+              <a:rPr lang="en-GB" sz="1100" dirty="0">
+                <a:solidFill>
+                  <a:srgbClr val="000000"/>
+                </a:solidFill>
+                <a:latin typeface="Consolas" panose="020B0609020204030204" pitchFamily="49" charset="0"/>
+              </a:rPr>
+              <a:t>(</a:t>
+            </a:r>
+            <a:r>
+              <a:rPr lang="en-GB" sz="1100" dirty="0" err="1">
+                <a:solidFill>
+                  <a:srgbClr val="6F008A"/>
+                </a:solidFill>
+                <a:latin typeface="Consolas" panose="020B0609020204030204" pitchFamily="49" charset="0"/>
+              </a:rPr>
+              <a:t>inject_pin</a:t>
+            </a:r>
+            <a:r>
+              <a:rPr lang="en-GB" sz="1100" dirty="0">
+                <a:solidFill>
+                  <a:srgbClr val="000000"/>
+                </a:solidFill>
+                <a:latin typeface="Consolas" panose="020B0609020204030204" pitchFamily="49" charset="0"/>
+              </a:rPr>
+              <a:t>, </a:t>
+            </a:r>
+            <a:r>
+              <a:rPr lang="en-GB" sz="1100" dirty="0">
+                <a:solidFill>
+                  <a:srgbClr val="6F008A"/>
+                </a:solidFill>
+                <a:latin typeface="Consolas" panose="020B0609020204030204" pitchFamily="49" charset="0"/>
+              </a:rPr>
+              <a:t>LOW</a:t>
+            </a:r>
+            <a:r>
+              <a:rPr lang="en-GB" sz="1100" dirty="0">
+                <a:solidFill>
+                  <a:srgbClr val="000000"/>
+                </a:solidFill>
+                <a:latin typeface="Consolas" panose="020B0609020204030204" pitchFamily="49" charset="0"/>
+              </a:rPr>
+              <a:t>); </a:t>
+            </a:r>
+            <a:r>
+              <a:rPr lang="en-GB" sz="1100" dirty="0">
+                <a:solidFill>
+                  <a:srgbClr val="008000"/>
+                </a:solidFill>
+                <a:latin typeface="Consolas" panose="020B0609020204030204" pitchFamily="49" charset="0"/>
+              </a:rPr>
+              <a:t>//Sends signal to stop injection</a:t>
+            </a:r>
+            <a:endParaRPr lang="en-GB" sz="1100" dirty="0">
+              <a:solidFill>
+                <a:srgbClr val="000000"/>
+              </a:solidFill>
+              <a:latin typeface="Consolas" panose="020B0609020204030204" pitchFamily="49" charset="0"/>
+            </a:endParaRPr>
+          </a:p>
+          <a:p>
+            <a:pPr marL="0" indent="0">
+              <a:buNone/>
+            </a:pPr>
+            <a:r>
+              <a:rPr lang="da-DK" sz="1100" dirty="0">
+                <a:solidFill>
+                  <a:srgbClr val="000000"/>
+                </a:solidFill>
+                <a:latin typeface="Consolas" panose="020B0609020204030204" pitchFamily="49" charset="0"/>
+              </a:rPr>
+              <a:t>}</a:t>
+            </a:r>
+            <a:endParaRPr lang="da-DK" sz="1100" dirty="0">
+              <a:solidFill>
+                <a:srgbClr val="0000FF"/>
+              </a:solidFill>
+              <a:latin typeface="Consolas" panose="020B0609020204030204" pitchFamily="49" charset="0"/>
+            </a:endParaRPr>
+          </a:p>
+          <a:p>
+            <a:pPr marL="0" indent="0">
+              <a:buNone/>
+            </a:pPr>
+            <a:r>
+              <a:rPr lang="da-DK" sz="1100" dirty="0" err="1">
+                <a:solidFill>
+                  <a:srgbClr val="0000FF"/>
+                </a:solidFill>
+                <a:latin typeface="Consolas" panose="020B0609020204030204" pitchFamily="49" charset="0"/>
+              </a:rPr>
+              <a:t>void</a:t>
+            </a:r>
+            <a:r>
+              <a:rPr lang="da-DK" sz="1100" dirty="0">
+                <a:solidFill>
+                  <a:srgbClr val="000000"/>
+                </a:solidFill>
+                <a:latin typeface="Consolas" panose="020B0609020204030204" pitchFamily="49" charset="0"/>
+              </a:rPr>
+              <a:t> </a:t>
+            </a:r>
+            <a:r>
+              <a:rPr lang="da-DK" sz="1100" dirty="0" err="1">
+                <a:solidFill>
+                  <a:srgbClr val="000000"/>
+                </a:solidFill>
+                <a:latin typeface="Consolas" panose="020B0609020204030204" pitchFamily="49" charset="0"/>
+              </a:rPr>
+              <a:t>initializeInjection</a:t>
+            </a:r>
+            <a:r>
+              <a:rPr lang="da-DK" sz="1100" dirty="0">
+                <a:solidFill>
+                  <a:srgbClr val="000000"/>
+                </a:solidFill>
+                <a:latin typeface="Consolas" panose="020B0609020204030204" pitchFamily="49" charset="0"/>
+              </a:rPr>
+              <a:t>() {</a:t>
+            </a:r>
+          </a:p>
+          <a:p>
+            <a:pPr marL="0" indent="0">
+              <a:buNone/>
+            </a:pPr>
+            <a:r>
+              <a:rPr lang="da-DK" sz="1100" dirty="0">
+                <a:solidFill>
+                  <a:srgbClr val="000000"/>
+                </a:solidFill>
+                <a:latin typeface="Consolas" panose="020B0609020204030204" pitchFamily="49" charset="0"/>
+              </a:rPr>
+              <a:t>  </a:t>
+            </a:r>
+            <a:r>
+              <a:rPr lang="da-DK" sz="1100" dirty="0" err="1">
+                <a:solidFill>
+                  <a:srgbClr val="000000"/>
+                </a:solidFill>
+                <a:latin typeface="Consolas" panose="020B0609020204030204" pitchFamily="49" charset="0"/>
+              </a:rPr>
+              <a:t>pinMode</a:t>
+            </a:r>
+            <a:r>
+              <a:rPr lang="da-DK" sz="1100" dirty="0">
+                <a:solidFill>
+                  <a:srgbClr val="000000"/>
+                </a:solidFill>
+                <a:latin typeface="Consolas" panose="020B0609020204030204" pitchFamily="49" charset="0"/>
+              </a:rPr>
+              <a:t>(</a:t>
+            </a:r>
+            <a:r>
+              <a:rPr lang="da-DK" sz="1100" dirty="0" err="1">
+                <a:solidFill>
+                  <a:srgbClr val="6F008A"/>
+                </a:solidFill>
+                <a:latin typeface="Consolas" panose="020B0609020204030204" pitchFamily="49" charset="0"/>
+              </a:rPr>
+              <a:t>inject_pin</a:t>
+            </a:r>
+            <a:r>
+              <a:rPr lang="da-DK" sz="1100" dirty="0">
+                <a:solidFill>
+                  <a:srgbClr val="000000"/>
+                </a:solidFill>
+                <a:latin typeface="Consolas" panose="020B0609020204030204" pitchFamily="49" charset="0"/>
+              </a:rPr>
+              <a:t>, </a:t>
+            </a:r>
+            <a:r>
+              <a:rPr lang="da-DK" sz="1100" dirty="0">
+                <a:solidFill>
+                  <a:srgbClr val="6F008A"/>
+                </a:solidFill>
+                <a:latin typeface="Consolas" panose="020B0609020204030204" pitchFamily="49" charset="0"/>
+              </a:rPr>
+              <a:t>OUTPUT</a:t>
+            </a:r>
+            <a:r>
+              <a:rPr lang="da-DK" sz="1100" dirty="0">
+                <a:solidFill>
+                  <a:srgbClr val="000000"/>
+                </a:solidFill>
+                <a:latin typeface="Consolas" panose="020B0609020204030204" pitchFamily="49" charset="0"/>
+              </a:rPr>
+              <a:t>);</a:t>
+            </a:r>
+          </a:p>
+          <a:p>
+            <a:pPr marL="0" indent="0">
+              <a:buNone/>
+            </a:pPr>
+            <a:r>
+              <a:rPr lang="en-GB" sz="1100" dirty="0">
+                <a:solidFill>
+                  <a:srgbClr val="000000"/>
+                </a:solidFill>
+                <a:latin typeface="Consolas" panose="020B0609020204030204" pitchFamily="49" charset="0"/>
+              </a:rPr>
+              <a:t>  </a:t>
+            </a:r>
+            <a:r>
+              <a:rPr lang="en-GB" sz="1100" dirty="0" err="1">
+                <a:solidFill>
+                  <a:srgbClr val="000000"/>
+                </a:solidFill>
+                <a:latin typeface="Consolas" panose="020B0609020204030204" pitchFamily="49" charset="0"/>
+              </a:rPr>
+              <a:t>TeensyDelay</a:t>
+            </a:r>
+            <a:r>
+              <a:rPr lang="en-GB" sz="1100" dirty="0">
+                <a:solidFill>
+                  <a:srgbClr val="000000"/>
+                </a:solidFill>
+                <a:latin typeface="Consolas" panose="020B0609020204030204" pitchFamily="49" charset="0"/>
+              </a:rPr>
+              <a:t>::</a:t>
+            </a:r>
+            <a:r>
+              <a:rPr lang="en-GB" sz="1100" dirty="0" err="1">
+                <a:solidFill>
+                  <a:srgbClr val="000000"/>
+                </a:solidFill>
+                <a:latin typeface="Consolas" panose="020B0609020204030204" pitchFamily="49" charset="0"/>
+              </a:rPr>
+              <a:t>addDelayChannel</a:t>
+            </a:r>
+            <a:r>
+              <a:rPr lang="en-GB" sz="1100" dirty="0">
+                <a:solidFill>
+                  <a:srgbClr val="000000"/>
+                </a:solidFill>
+                <a:latin typeface="Consolas" panose="020B0609020204030204" pitchFamily="49" charset="0"/>
+              </a:rPr>
+              <a:t>(</a:t>
+            </a:r>
+            <a:r>
+              <a:rPr lang="en-GB" sz="1100" dirty="0" err="1">
+                <a:solidFill>
+                  <a:srgbClr val="000000"/>
+                </a:solidFill>
+                <a:latin typeface="Consolas" panose="020B0609020204030204" pitchFamily="49" charset="0"/>
+              </a:rPr>
+              <a:t>stopInj</a:t>
+            </a:r>
+            <a:r>
+              <a:rPr lang="en-GB" sz="1100" dirty="0">
+                <a:solidFill>
+                  <a:srgbClr val="000000"/>
+                </a:solidFill>
+                <a:latin typeface="Consolas" panose="020B0609020204030204" pitchFamily="49" charset="0"/>
+              </a:rPr>
+              <a:t>, </a:t>
+            </a:r>
+            <a:r>
+              <a:rPr lang="en-GB" sz="1100" dirty="0">
+                <a:solidFill>
+                  <a:srgbClr val="6F008A"/>
+                </a:solidFill>
+                <a:latin typeface="Consolas" panose="020B0609020204030204" pitchFamily="49" charset="0"/>
+              </a:rPr>
+              <a:t>INJECTION_CHANNEL</a:t>
+            </a:r>
+            <a:r>
+              <a:rPr lang="en-GB" sz="1100" dirty="0">
+                <a:solidFill>
+                  <a:srgbClr val="000000"/>
+                </a:solidFill>
+                <a:latin typeface="Consolas" panose="020B0609020204030204" pitchFamily="49" charset="0"/>
+              </a:rPr>
+              <a:t>);</a:t>
+            </a:r>
+          </a:p>
+          <a:p>
+            <a:pPr marL="0" indent="0">
+              <a:buNone/>
+            </a:pPr>
+            <a:r>
+              <a:rPr lang="da-DK" sz="1100" dirty="0">
+                <a:solidFill>
+                  <a:srgbClr val="000000"/>
+                </a:solidFill>
+                <a:latin typeface="Consolas" panose="020B0609020204030204" pitchFamily="49" charset="0"/>
+              </a:rPr>
+              <a:t>  </a:t>
+            </a:r>
+            <a:r>
+              <a:rPr lang="da-DK" sz="1100" dirty="0" err="1">
+                <a:solidFill>
+                  <a:srgbClr val="000000"/>
+                </a:solidFill>
+                <a:latin typeface="Consolas" panose="020B0609020204030204" pitchFamily="49" charset="0"/>
+              </a:rPr>
+              <a:t>stopInj</a:t>
+            </a:r>
+            <a:r>
+              <a:rPr lang="da-DK" sz="1100" dirty="0">
+                <a:solidFill>
+                  <a:srgbClr val="000000"/>
+                </a:solidFill>
+                <a:latin typeface="Consolas" panose="020B0609020204030204" pitchFamily="49" charset="0"/>
+              </a:rPr>
+              <a:t>();</a:t>
+            </a:r>
+          </a:p>
+          <a:p>
+            <a:pPr marL="0" indent="0">
+              <a:buNone/>
+            </a:pPr>
+            <a:r>
+              <a:rPr lang="da-DK" sz="1100" dirty="0">
+                <a:solidFill>
+                  <a:srgbClr val="000000"/>
+                </a:solidFill>
+                <a:latin typeface="Consolas" panose="020B0609020204030204" pitchFamily="49" charset="0"/>
+              </a:rPr>
+              <a:t>}</a:t>
+            </a:r>
+            <a:endParaRPr lang="en-GB" sz="1100" dirty="0">
+              <a:solidFill>
+                <a:srgbClr val="0000FF"/>
+              </a:solidFill>
+              <a:latin typeface="Consolas" panose="020B0609020204030204" pitchFamily="49" charset="0"/>
+            </a:endParaRPr>
+          </a:p>
+          <a:p>
+            <a:pPr marL="0" indent="0">
+              <a:buNone/>
+            </a:pPr>
+            <a:r>
+              <a:rPr lang="en-GB" sz="1100" dirty="0">
+                <a:solidFill>
+                  <a:srgbClr val="0000FF"/>
+                </a:solidFill>
+                <a:latin typeface="Consolas" panose="020B0609020204030204" pitchFamily="49" charset="0"/>
+              </a:rPr>
+              <a:t>void</a:t>
+            </a:r>
+            <a:r>
+              <a:rPr lang="en-GB" sz="1100" dirty="0">
+                <a:solidFill>
+                  <a:srgbClr val="000000"/>
+                </a:solidFill>
+                <a:latin typeface="Consolas" panose="020B0609020204030204" pitchFamily="49" charset="0"/>
+              </a:rPr>
+              <a:t> </a:t>
+            </a:r>
+            <a:r>
+              <a:rPr lang="en-GB" sz="1100" dirty="0" err="1">
+                <a:solidFill>
+                  <a:srgbClr val="000000"/>
+                </a:solidFill>
+                <a:latin typeface="Consolas" panose="020B0609020204030204" pitchFamily="49" charset="0"/>
+              </a:rPr>
+              <a:t>injectionCheck</a:t>
+            </a:r>
+            <a:r>
+              <a:rPr lang="en-GB" sz="1100" dirty="0">
+                <a:solidFill>
+                  <a:srgbClr val="000000"/>
+                </a:solidFill>
+                <a:latin typeface="Consolas" panose="020B0609020204030204" pitchFamily="49" charset="0"/>
+              </a:rPr>
+              <a:t>(</a:t>
+            </a:r>
+            <a:r>
+              <a:rPr lang="en-GB" sz="1100" dirty="0">
+                <a:solidFill>
+                  <a:srgbClr val="0000FF"/>
+                </a:solidFill>
+                <a:latin typeface="Consolas" panose="020B0609020204030204" pitchFamily="49" charset="0"/>
+              </a:rPr>
+              <a:t>char</a:t>
+            </a:r>
+            <a:r>
+              <a:rPr lang="en-GB" sz="1100" dirty="0">
+                <a:solidFill>
+                  <a:srgbClr val="000000"/>
+                </a:solidFill>
+                <a:latin typeface="Consolas" panose="020B0609020204030204" pitchFamily="49" charset="0"/>
+              </a:rPr>
+              <a:t> </a:t>
+            </a:r>
+            <a:r>
+              <a:rPr lang="en-GB" sz="1100" dirty="0" err="1">
+                <a:solidFill>
+                  <a:srgbClr val="808080"/>
+                </a:solidFill>
+                <a:latin typeface="Consolas" panose="020B0609020204030204" pitchFamily="49" charset="0"/>
+              </a:rPr>
+              <a:t>startAngle</a:t>
+            </a:r>
+            <a:r>
+              <a:rPr lang="en-GB" sz="1100" dirty="0">
+                <a:solidFill>
+                  <a:srgbClr val="000000"/>
+                </a:solidFill>
+                <a:latin typeface="Consolas" panose="020B0609020204030204" pitchFamily="49" charset="0"/>
+              </a:rPr>
+              <a:t>, </a:t>
+            </a:r>
+            <a:r>
+              <a:rPr lang="en-GB" sz="1100" dirty="0">
+                <a:solidFill>
+                  <a:srgbClr val="0000FF"/>
+                </a:solidFill>
+                <a:latin typeface="Consolas" panose="020B0609020204030204" pitchFamily="49" charset="0"/>
+              </a:rPr>
+              <a:t>double</a:t>
+            </a:r>
+            <a:r>
+              <a:rPr lang="en-GB" sz="1100" dirty="0">
+                <a:solidFill>
+                  <a:srgbClr val="000000"/>
+                </a:solidFill>
+                <a:latin typeface="Consolas" panose="020B0609020204030204" pitchFamily="49" charset="0"/>
+              </a:rPr>
+              <a:t>  </a:t>
+            </a:r>
+            <a:r>
+              <a:rPr lang="en-GB" sz="1100" dirty="0">
+                <a:solidFill>
+                  <a:srgbClr val="808080"/>
+                </a:solidFill>
+                <a:latin typeface="Consolas" panose="020B0609020204030204" pitchFamily="49" charset="0"/>
+              </a:rPr>
+              <a:t>time</a:t>
+            </a:r>
+            <a:r>
+              <a:rPr lang="en-GB" sz="1100" dirty="0">
+                <a:solidFill>
+                  <a:srgbClr val="000000"/>
+                </a:solidFill>
+                <a:latin typeface="Consolas" panose="020B0609020204030204" pitchFamily="49" charset="0"/>
+              </a:rPr>
+              <a:t>, </a:t>
+            </a:r>
+            <a:r>
+              <a:rPr lang="en-GB" sz="1100" dirty="0">
+                <a:solidFill>
+                  <a:srgbClr val="0000FF"/>
+                </a:solidFill>
+                <a:latin typeface="Consolas" panose="020B0609020204030204" pitchFamily="49" charset="0"/>
+              </a:rPr>
+              <a:t>char</a:t>
+            </a:r>
+            <a:r>
+              <a:rPr lang="en-GB" sz="1100" dirty="0">
+                <a:solidFill>
+                  <a:srgbClr val="000000"/>
+                </a:solidFill>
+                <a:latin typeface="Consolas" panose="020B0609020204030204" pitchFamily="49" charset="0"/>
+              </a:rPr>
+              <a:t> </a:t>
+            </a:r>
+            <a:r>
+              <a:rPr lang="en-GB" sz="1100" dirty="0" err="1">
+                <a:solidFill>
+                  <a:srgbClr val="808080"/>
+                </a:solidFill>
+                <a:latin typeface="Consolas" panose="020B0609020204030204" pitchFamily="49" charset="0"/>
+              </a:rPr>
+              <a:t>posAngle</a:t>
+            </a:r>
+            <a:r>
+              <a:rPr lang="en-GB" sz="1100" dirty="0">
+                <a:solidFill>
+                  <a:srgbClr val="000000"/>
+                </a:solidFill>
+                <a:latin typeface="Consolas" panose="020B0609020204030204" pitchFamily="49" charset="0"/>
+              </a:rPr>
+              <a:t>){</a:t>
+            </a:r>
+          </a:p>
+          <a:p>
+            <a:pPr marL="0" indent="0">
+              <a:buNone/>
+            </a:pPr>
+            <a:r>
+              <a:rPr lang="en-GB" sz="1100" dirty="0">
+                <a:solidFill>
+                  <a:srgbClr val="0000FF"/>
+                </a:solidFill>
+                <a:latin typeface="Consolas" panose="020B0609020204030204" pitchFamily="49" charset="0"/>
+              </a:rPr>
+              <a:t>  if</a:t>
+            </a:r>
+            <a:r>
+              <a:rPr lang="en-GB" sz="1100" dirty="0">
+                <a:solidFill>
+                  <a:srgbClr val="000000"/>
+                </a:solidFill>
+                <a:latin typeface="Consolas" panose="020B0609020204030204" pitchFamily="49" charset="0"/>
+              </a:rPr>
+              <a:t> (!</a:t>
+            </a:r>
+            <a:r>
+              <a:rPr lang="en-GB" sz="1100" dirty="0" err="1">
+                <a:solidFill>
+                  <a:srgbClr val="000000"/>
+                </a:solidFill>
+                <a:latin typeface="Consolas" panose="020B0609020204030204" pitchFamily="49" charset="0"/>
+              </a:rPr>
+              <a:t>digitalRead</a:t>
+            </a:r>
+            <a:r>
+              <a:rPr lang="en-GB" sz="1100" dirty="0">
+                <a:solidFill>
+                  <a:srgbClr val="000000"/>
+                </a:solidFill>
+                <a:latin typeface="Consolas" panose="020B0609020204030204" pitchFamily="49" charset="0"/>
+              </a:rPr>
+              <a:t>(</a:t>
+            </a:r>
+            <a:r>
+              <a:rPr lang="en-GB" sz="1100" dirty="0" err="1">
+                <a:solidFill>
+                  <a:srgbClr val="6F008A"/>
+                </a:solidFill>
+                <a:latin typeface="Consolas" panose="020B0609020204030204" pitchFamily="49" charset="0"/>
+              </a:rPr>
+              <a:t>inject_pin</a:t>
+            </a:r>
+            <a:r>
+              <a:rPr lang="en-GB" sz="1100" dirty="0">
+                <a:solidFill>
+                  <a:srgbClr val="000000"/>
+                </a:solidFill>
+                <a:latin typeface="Consolas" panose="020B0609020204030204" pitchFamily="49" charset="0"/>
+              </a:rPr>
+              <a:t>) &amp;&amp; (</a:t>
+            </a:r>
+            <a:r>
+              <a:rPr lang="en-GB" sz="1100" dirty="0" err="1">
+                <a:solidFill>
+                  <a:srgbClr val="808080"/>
+                </a:solidFill>
+                <a:latin typeface="Consolas" panose="020B0609020204030204" pitchFamily="49" charset="0"/>
+              </a:rPr>
+              <a:t>posAngle</a:t>
+            </a:r>
+            <a:r>
+              <a:rPr lang="en-GB" sz="1100" dirty="0">
+                <a:solidFill>
+                  <a:srgbClr val="000000"/>
+                </a:solidFill>
+                <a:latin typeface="Consolas" panose="020B0609020204030204" pitchFamily="49" charset="0"/>
+              </a:rPr>
+              <a:t> &gt;= </a:t>
+            </a:r>
+            <a:r>
+              <a:rPr lang="en-GB" sz="1100" dirty="0" err="1">
+                <a:solidFill>
+                  <a:srgbClr val="808080"/>
+                </a:solidFill>
+                <a:latin typeface="Consolas" panose="020B0609020204030204" pitchFamily="49" charset="0"/>
+              </a:rPr>
+              <a:t>startAngle</a:t>
+            </a:r>
+            <a:r>
+              <a:rPr lang="en-GB" sz="1100" dirty="0">
+                <a:solidFill>
+                  <a:srgbClr val="000000"/>
+                </a:solidFill>
+                <a:latin typeface="Consolas" panose="020B0609020204030204" pitchFamily="49" charset="0"/>
+              </a:rPr>
+              <a:t> &amp;&amp; </a:t>
+            </a:r>
+            <a:r>
+              <a:rPr lang="en-GB" sz="1100" dirty="0" err="1">
+                <a:solidFill>
+                  <a:srgbClr val="808080"/>
+                </a:solidFill>
+                <a:latin typeface="Consolas" panose="020B0609020204030204" pitchFamily="49" charset="0"/>
+              </a:rPr>
+              <a:t>posAngle</a:t>
+            </a:r>
+            <a:r>
+              <a:rPr lang="en-GB" sz="1100" dirty="0">
+                <a:solidFill>
+                  <a:srgbClr val="000000"/>
+                </a:solidFill>
+                <a:latin typeface="Consolas" panose="020B0609020204030204" pitchFamily="49" charset="0"/>
+              </a:rPr>
+              <a:t> &lt;= </a:t>
+            </a:r>
+            <a:r>
+              <a:rPr lang="en-GB" sz="1100" dirty="0" err="1">
+                <a:solidFill>
+                  <a:srgbClr val="808080"/>
+                </a:solidFill>
+                <a:latin typeface="Consolas" panose="020B0609020204030204" pitchFamily="49" charset="0"/>
+              </a:rPr>
+              <a:t>startAngle</a:t>
+            </a:r>
+            <a:r>
+              <a:rPr lang="en-GB" sz="1100" dirty="0">
+                <a:solidFill>
+                  <a:srgbClr val="000000"/>
+                </a:solidFill>
+                <a:latin typeface="Consolas" panose="020B0609020204030204" pitchFamily="49" charset="0"/>
+              </a:rPr>
+              <a:t> + 10)) {</a:t>
+            </a:r>
+          </a:p>
+          <a:p>
+            <a:pPr marL="0" indent="0">
+              <a:buNone/>
+            </a:pPr>
+            <a:r>
+              <a:rPr lang="da-DK" sz="1100" dirty="0">
+                <a:solidFill>
+                  <a:srgbClr val="000000"/>
+                </a:solidFill>
+                <a:latin typeface="Consolas" panose="020B0609020204030204" pitchFamily="49" charset="0"/>
+              </a:rPr>
+              <a:t>    </a:t>
+            </a:r>
+            <a:r>
+              <a:rPr lang="da-DK" sz="1100" dirty="0" err="1">
+                <a:solidFill>
+                  <a:srgbClr val="000000"/>
+                </a:solidFill>
+                <a:latin typeface="Consolas" panose="020B0609020204030204" pitchFamily="49" charset="0"/>
+              </a:rPr>
+              <a:t>startInj</a:t>
+            </a:r>
+            <a:r>
+              <a:rPr lang="da-DK" sz="1100" dirty="0">
+                <a:solidFill>
+                  <a:srgbClr val="000000"/>
+                </a:solidFill>
+                <a:latin typeface="Consolas" panose="020B0609020204030204" pitchFamily="49" charset="0"/>
+              </a:rPr>
+              <a:t>();</a:t>
+            </a:r>
+          </a:p>
+          <a:p>
+            <a:pPr marL="0" indent="0">
+              <a:buNone/>
+            </a:pPr>
+            <a:r>
+              <a:rPr lang="en-GB" sz="1100" dirty="0">
+                <a:solidFill>
+                  <a:srgbClr val="000000"/>
+                </a:solidFill>
+                <a:latin typeface="Consolas" panose="020B0609020204030204" pitchFamily="49" charset="0"/>
+              </a:rPr>
+              <a:t>    </a:t>
+            </a:r>
+            <a:r>
+              <a:rPr lang="en-GB" sz="1100" dirty="0" err="1">
+                <a:solidFill>
+                  <a:srgbClr val="000000"/>
+                </a:solidFill>
+                <a:latin typeface="Consolas" panose="020B0609020204030204" pitchFamily="49" charset="0"/>
+              </a:rPr>
+              <a:t>TeensyDelay</a:t>
+            </a:r>
+            <a:r>
+              <a:rPr lang="en-GB" sz="1100" dirty="0">
+                <a:solidFill>
+                  <a:srgbClr val="000000"/>
+                </a:solidFill>
+                <a:latin typeface="Consolas" panose="020B0609020204030204" pitchFamily="49" charset="0"/>
+              </a:rPr>
+              <a:t>::trigger(</a:t>
+            </a:r>
+            <a:r>
+              <a:rPr lang="en-GB" sz="1100" dirty="0">
+                <a:solidFill>
+                  <a:srgbClr val="808080"/>
+                </a:solidFill>
+                <a:latin typeface="Consolas" panose="020B0609020204030204" pitchFamily="49" charset="0"/>
+              </a:rPr>
+              <a:t>time</a:t>
+            </a:r>
+            <a:r>
+              <a:rPr lang="en-GB" sz="1100" dirty="0">
+                <a:solidFill>
+                  <a:srgbClr val="000000"/>
+                </a:solidFill>
+                <a:latin typeface="Consolas" panose="020B0609020204030204" pitchFamily="49" charset="0"/>
+              </a:rPr>
+              <a:t>, </a:t>
+            </a:r>
+            <a:r>
+              <a:rPr lang="en-GB" sz="1100" dirty="0">
+                <a:solidFill>
+                  <a:srgbClr val="6F008A"/>
+                </a:solidFill>
+                <a:latin typeface="Consolas" panose="020B0609020204030204" pitchFamily="49" charset="0"/>
+              </a:rPr>
+              <a:t>INJECTION_CHANNEL</a:t>
+            </a:r>
+            <a:r>
+              <a:rPr lang="en-GB" sz="1100" dirty="0">
+                <a:solidFill>
+                  <a:srgbClr val="000000"/>
+                </a:solidFill>
+                <a:latin typeface="Consolas" panose="020B0609020204030204" pitchFamily="49" charset="0"/>
+              </a:rPr>
+              <a:t>);</a:t>
+            </a:r>
+          </a:p>
+          <a:p>
+            <a:pPr marL="0" indent="0">
+              <a:buNone/>
+            </a:pPr>
+            <a:r>
+              <a:rPr lang="da-DK" sz="1100" dirty="0">
+                <a:solidFill>
+                  <a:srgbClr val="000000"/>
+                </a:solidFill>
+                <a:latin typeface="Consolas" panose="020B0609020204030204" pitchFamily="49" charset="0"/>
+              </a:rPr>
+              <a:t>  }</a:t>
+            </a:r>
+          </a:p>
+          <a:p>
+            <a:pPr marL="0" indent="0">
+              <a:buNone/>
+            </a:pPr>
+            <a:r>
+              <a:rPr lang="da-DK" sz="1100" dirty="0">
+                <a:solidFill>
+                  <a:srgbClr val="000000"/>
+                </a:solidFill>
+                <a:latin typeface="Consolas" panose="020B0609020204030204" pitchFamily="49" charset="0"/>
+              </a:rPr>
+              <a:t>}</a:t>
+            </a:r>
+            <a:endParaRPr lang="da-DK" sz="1100" dirty="0"/>
+          </a:p>
+        </p:txBody>
+      </p:sp>
+      <p:sp>
+        <p:nvSpPr>
+          <p:cNvPr id="4" name="Pladsholder til dato 3">
+            <a:extLst>
+              <a:ext uri="{FF2B5EF4-FFF2-40B4-BE49-F238E27FC236}">
+                <a16:creationId xmlns:a16="http://schemas.microsoft.com/office/drawing/2014/main" id="{426F8531-E253-4C79-B6CA-0635EF6820F9}"/>
+              </a:ext>
+            </a:extLst>
+          </p:cNvPr>
+          <p:cNvSpPr>
+            <a:spLocks noGrp="1"/>
+          </p:cNvSpPr>
+          <p:nvPr>
+            <p:ph type="dt" sz="half" idx="10"/>
+          </p:nvPr>
+        </p:nvSpPr>
+        <p:spPr/>
+        <p:txBody>
+          <a:bodyPr/>
+          <a:lstStyle/>
+          <a:p>
+            <a:r>
+              <a:rPr lang="da-DK"/>
+              <a:t>29. april 2018</a:t>
+            </a:r>
+            <a:endParaRPr lang="da-DK" dirty="0"/>
+          </a:p>
+        </p:txBody>
+      </p:sp>
+      <p:sp>
+        <p:nvSpPr>
+          <p:cNvPr id="5" name="Pladsholder til sidefod 4">
+            <a:extLst>
+              <a:ext uri="{FF2B5EF4-FFF2-40B4-BE49-F238E27FC236}">
+                <a16:creationId xmlns:a16="http://schemas.microsoft.com/office/drawing/2014/main" id="{AF9FB5E2-6EA7-4136-9506-49FB0E023843}"/>
+              </a:ext>
+            </a:extLst>
+          </p:cNvPr>
+          <p:cNvSpPr>
+            <a:spLocks noGrp="1"/>
+          </p:cNvSpPr>
+          <p:nvPr>
+            <p:ph type="ftr" sz="quarter" idx="11"/>
+          </p:nvPr>
+        </p:nvSpPr>
+        <p:spPr/>
+        <p:txBody>
+          <a:bodyPr/>
+          <a:lstStyle/>
+          <a:p>
+            <a:r>
+              <a:rPr lang="da-DK"/>
+              <a:t>Fagprojekt - Motorstyring på økobilen</a:t>
+            </a:r>
+            <a:endParaRPr lang="da-DK" dirty="0"/>
+          </a:p>
+        </p:txBody>
+      </p:sp>
+      <p:sp>
+        <p:nvSpPr>
+          <p:cNvPr id="6" name="Pladsholder til slidenummer 5">
+            <a:extLst>
+              <a:ext uri="{FF2B5EF4-FFF2-40B4-BE49-F238E27FC236}">
+                <a16:creationId xmlns:a16="http://schemas.microsoft.com/office/drawing/2014/main" id="{0257F272-1AEF-47A9-BDCD-E727799EC360}"/>
+              </a:ext>
+            </a:extLst>
+          </p:cNvPr>
+          <p:cNvSpPr>
+            <a:spLocks noGrp="1"/>
+          </p:cNvSpPr>
+          <p:nvPr>
+            <p:ph type="sldNum" sz="quarter" idx="12"/>
+          </p:nvPr>
+        </p:nvSpPr>
+        <p:spPr/>
+        <p:txBody>
+          <a:bodyPr/>
+          <a:lstStyle/>
+          <a:p>
+            <a:fld id="{103EA872-A674-449B-A120-B97244F8E91D}" type="slidenum">
+              <a:rPr lang="da-DK" smtClean="0"/>
+              <a:pPr/>
+              <a:t>5</a:t>
+            </a:fld>
+            <a:endParaRPr lang="da-DK" dirty="0"/>
+          </a:p>
+        </p:txBody>
+      </p:sp>
+    </p:spTree>
+    <p:extLst>
+      <p:ext uri="{BB962C8B-B14F-4D97-AF65-F5344CB8AC3E}">
+        <p14:creationId xmlns:p14="http://schemas.microsoft.com/office/powerpoint/2010/main" val="2782959768"/>
+      </p:ext>
+    </p:extLst>
+  </p:cSld>
+  <p:clrMapOvr>
+    <a:masterClrMapping/>
+  </p:clrMapOvr>
+</p:sld>
+</file>
+
+<file path=ppt/slides/slide6.xml><?xml version="1.0" encoding="utf-8"?>
+<p:sld xmlns:a="http://schemas.openxmlformats.org/drawingml/2006/main" xmlns:r="http://schemas.openxmlformats.org/officeDocument/2006/relationships" xmlns:p="http://schemas.openxmlformats.org/presentationml/2006/main">
+  <p:cSld>
+    <p:spTree>
+      <p:nvGrpSpPr>
+        <p:cNvPr id="1" name=""/>
+        <p:cNvGrpSpPr/>
+        <p:nvPr/>
+      </p:nvGrpSpPr>
+      <p:grpSpPr>
+        <a:xfrm>
+          <a:off x="0" y="0"/>
+          <a:ext cx="0" cy="0"/>
+          <a:chOff x="0" y="0"/>
+          <a:chExt cx="0" cy="0"/>
+        </a:xfrm>
+      </p:grpSpPr>
+      <p:sp>
+        <p:nvSpPr>
           <p:cNvPr id="2" name="Titel 1">
             <a:extLst>
               <a:ext uri="{FF2B5EF4-FFF2-40B4-BE49-F238E27FC236}">
@@ -4723,8 +5432,8 @@
           </a:p>
         </p:txBody>
       </p:sp>
-      <mc:AlternateContent xmlns:mc="http://schemas.openxmlformats.org/markup-compatibility/2006">
-        <mc:Choice xmlns:a14="http://schemas.microsoft.com/office/drawing/2010/main" Requires="a14">
+      <mc:AlternateContent xmlns:mc="http://schemas.openxmlformats.org/markup-compatibility/2006" xmlns:a14="http://schemas.microsoft.com/office/drawing/2010/main">
+        <mc:Choice Requires="a14">
           <p:sp>
             <p:nvSpPr>
               <p:cNvPr id="7" name="Pladsholder til indhold 6">
@@ -4815,7 +5524,19 @@
                         <a:rPr lang="da-DK" b="0" i="1" smtClean="0">
                           <a:latin typeface="Cambria Math" panose="02040503050406030204" pitchFamily="18" charset="0"/>
                         </a:rPr>
-                        <m:t>=50 </m:t>
+                        <m:t>=</m:t>
+                      </m:r>
+                      <m:r>
+                        <a:rPr lang="da-DK" b="0" i="1" smtClean="0">
+                          <a:latin typeface="Cambria Math" panose="02040503050406030204" pitchFamily="18" charset="0"/>
+                        </a:rPr>
+                        <m:t>50</m:t>
+                      </m:r>
+                      <m:r>
+                        <a:rPr lang="da-DK" b="0" i="1" smtClean="0">
+                          <a:latin typeface="Cambria Math" panose="02040503050406030204" pitchFamily="18" charset="0"/>
+                        </a:rPr>
+                        <m:t> </m:t>
                       </m:r>
                       <m:r>
                         <a:rPr lang="da-DK" b="0" i="1" smtClean="0">
@@ -4827,7 +5548,13 @@
                         <a:rPr lang="da-DK" b="0" i="1" smtClean="0">
                           <a:latin typeface="Cambria Math" panose="02040503050406030204" pitchFamily="18" charset="0"/>
                         </a:rPr>
-                        <m:t>=360000</m:t>
+                        <m:t>=</m:t>
+                      </m:r>
+                      <m:r>
+                        <a:rPr lang="da-DK" b="0" i="1" smtClean="0">
+                          <a:latin typeface="Cambria Math" panose="02040503050406030204" pitchFamily="18" charset="0"/>
+                        </a:rPr>
+                        <m:t>360000</m:t>
                       </m:r>
                       <m:f>
                         <m:fPr>
@@ -5164,7 +5891,7 @@
             </p:txBody>
           </p:sp>
         </mc:Choice>
-        <mc:Fallback>
+        <mc:Fallback xmlns="">
           <p:sp>
             <p:nvSpPr>
               <p:cNvPr id="7" name="Pladsholder til indhold 6">
@@ -5318,7 +6045,7 @@
             <a:fld id="{103EA872-A674-449B-A120-B97244F8E91D}" type="slidenum">
               <a:rPr lang="da-DK" smtClean="0"/>
               <a:pPr/>
-              <a:t>4</a:t>
+              <a:t>6</a:t>
             </a:fld>
             <a:endParaRPr lang="da-DK" dirty="0"/>
           </a:p>
@@ -5337,7 +6064,7 @@
 </p:sld>
 </file>
 
-<file path=ppt/slides/slide5.xml><?xml version="1.0" encoding="utf-8"?>
+<file path=ppt/slides/slide7.xml><?xml version="1.0" encoding="utf-8"?>
 <p:sld xmlns:a="http://schemas.openxmlformats.org/drawingml/2006/main" xmlns:r="http://schemas.openxmlformats.org/officeDocument/2006/relationships" xmlns:p="http://schemas.openxmlformats.org/presentationml/2006/main">
   <p:cSld>
     <p:spTree>
@@ -5534,7 +6261,7 @@
             <a:fld id="{103EA872-A674-449B-A120-B97244F8E91D}" type="slidenum">
               <a:rPr lang="da-DK" smtClean="0"/>
               <a:pPr/>
-              <a:t>5</a:t>
+              <a:t>7</a:t>
             </a:fld>
             <a:endParaRPr lang="da-DK" dirty="0"/>
           </a:p>
@@ -5553,7 +6280,7 @@
 </p:sld>
 </file>
 
-<file path=ppt/slides/slide6.xml><?xml version="1.0" encoding="utf-8"?>
+<file path=ppt/slides/slide8.xml><?xml version="1.0" encoding="utf-8"?>
 <p:sld xmlns:a="http://schemas.openxmlformats.org/drawingml/2006/main" xmlns:r="http://schemas.openxmlformats.org/officeDocument/2006/relationships" xmlns:p="http://schemas.openxmlformats.org/presentationml/2006/main">
   <p:cSld>
     <p:spTree>
@@ -5755,7 +6482,7 @@
             <a:fld id="{103EA872-A674-449B-A120-B97244F8E91D}" type="slidenum">
               <a:rPr lang="da-DK" smtClean="0"/>
               <a:pPr/>
-              <a:t>6</a:t>
+              <a:t>8</a:t>
             </a:fld>
             <a:endParaRPr lang="da-DK" dirty="0"/>
           </a:p>
@@ -6743,7 +7470,7 @@
 
 <file path=ppt/webextensions/taskpanes.xml><?xml version="1.0" encoding="utf-8"?>
 <wetp:taskpanes xmlns:wetp="http://schemas.microsoft.com/office/webextensions/taskpanes/2010/11">
-  <wetp:taskpane dockstate="right" visibility="0" width="438" row="8">
+  <wetp:taskpane dockstate="right" visibility="0" width="438" row="7">
     <wetp:webextensionref xmlns:r="http://schemas.openxmlformats.org/officeDocument/2006/relationships" r:id="rId1"/>
   </wetp:taskpane>
 </wetp:taskpanes>

--- a/midtvejsPraes.pptx
+++ b/midtvejsPraes.pptx
@@ -5,10 +5,10 @@
     <p:sldMasterId id="2147483662" r:id="rId1"/>
   </p:sldMasterIdLst>
   <p:notesMasterIdLst>
-    <p:notesMasterId r:id="rId10"/>
+    <p:notesMasterId r:id="rId11"/>
   </p:notesMasterIdLst>
   <p:handoutMasterIdLst>
-    <p:handoutMasterId r:id="rId11"/>
+    <p:handoutMasterId r:id="rId12"/>
   </p:handoutMasterIdLst>
   <p:sldIdLst>
     <p:sldId id="256" r:id="rId2"/>
@@ -19,11 +19,12 @@
     <p:sldId id="260" r:id="rId7"/>
     <p:sldId id="258" r:id="rId8"/>
     <p:sldId id="259" r:id="rId9"/>
+    <p:sldId id="264" r:id="rId10"/>
   </p:sldIdLst>
   <p:sldSz cx="9144000" cy="6858000" type="screen4x3"/>
   <p:notesSz cx="6858000" cy="9144000"/>
   <p:custDataLst>
-    <p:tags r:id="rId12"/>
+    <p:tags r:id="rId13"/>
   </p:custDataLst>
   <p:defaultTextStyle>
     <a:defPPr>
@@ -1149,11 +1150,7 @@
           <a:p>
             <a:r>
               <a:rPr lang="da-DK" dirty="0"/>
-              <a:t>Vi har fokuseret meget på denne del, og dermed meget mere på programmering </a:t>
-            </a:r>
-            <a:r>
-              <a:rPr lang="da-DK"/>
-              <a:t>end design af boardet.</a:t>
+              <a:t>Vi har fokuseret meget på denne del, og dermed meget mere på programmering end design af boardet.</a:t>
             </a:r>
           </a:p>
           <a:p>
@@ -4282,6 +4279,15 @@
               <a:rPr lang="da-DK" dirty="0"/>
               <a:t>Styring af brændstofs mængde</a:t>
             </a:r>
+          </a:p>
+          <a:p>
+            <a:r>
+              <a:rPr lang="da-DK" dirty="0"/>
+              <a:t>Svært at finde og stille krav til kode</a:t>
+            </a:r>
+          </a:p>
+          <a:p>
+            <a:endParaRPr lang="da-DK" dirty="0"/>
           </a:p>
           <a:p>
             <a:endParaRPr lang="da-DK" dirty="0"/>
@@ -6492,6 +6498,231 @@
     <p:extLst>
       <p:ext uri="{BB962C8B-B14F-4D97-AF65-F5344CB8AC3E}">
         <p14:creationId xmlns:p14="http://schemas.microsoft.com/office/powerpoint/2010/main" val="3238685881"/>
+      </p:ext>
+    </p:extLst>
+  </p:cSld>
+  <p:clrMapOvr>
+    <a:masterClrMapping/>
+  </p:clrMapOvr>
+</p:sld>
+</file>
+
+<file path=ppt/slides/slide9.xml><?xml version="1.0" encoding="utf-8"?>
+<p:sld xmlns:a="http://schemas.openxmlformats.org/drawingml/2006/main" xmlns:r="http://schemas.openxmlformats.org/officeDocument/2006/relationships" xmlns:p="http://schemas.openxmlformats.org/presentationml/2006/main">
+  <p:cSld>
+    <p:spTree>
+      <p:nvGrpSpPr>
+        <p:cNvPr id="1" name=""/>
+        <p:cNvGrpSpPr/>
+        <p:nvPr/>
+      </p:nvGrpSpPr>
+      <p:grpSpPr>
+        <a:xfrm>
+          <a:off x="0" y="0"/>
+          <a:ext cx="0" cy="0"/>
+          <a:chOff x="0" y="0"/>
+          <a:chExt cx="0" cy="0"/>
+        </a:xfrm>
+      </p:grpSpPr>
+      <p:sp>
+        <p:nvSpPr>
+          <p:cNvPr id="2" name="Titel 1">
+            <a:extLst>
+              <a:ext uri="{FF2B5EF4-FFF2-40B4-BE49-F238E27FC236}">
+                <a16:creationId xmlns:a16="http://schemas.microsoft.com/office/drawing/2014/main" id="{3D2D0B71-5553-48A2-91CF-ECD88EA56DA4}"/>
+              </a:ext>
+            </a:extLst>
+          </p:cNvPr>
+          <p:cNvSpPr>
+            <a:spLocks noGrp="1"/>
+          </p:cNvSpPr>
+          <p:nvPr>
+            <p:ph type="title"/>
+          </p:nvPr>
+        </p:nvSpPr>
+        <p:spPr/>
+        <p:txBody>
+          <a:bodyPr/>
+          <a:lstStyle/>
+          <a:p>
+            <a:r>
+              <a:rPr lang="da-DK" dirty="0"/>
+              <a:t>Status: Hvad der mangler</a:t>
+            </a:r>
+          </a:p>
+        </p:txBody>
+      </p:sp>
+      <p:sp>
+        <p:nvSpPr>
+          <p:cNvPr id="8" name="Pladsholder til indhold 7">
+            <a:extLst>
+              <a:ext uri="{FF2B5EF4-FFF2-40B4-BE49-F238E27FC236}">
+                <a16:creationId xmlns:a16="http://schemas.microsoft.com/office/drawing/2014/main" id="{DB137107-5436-4A8F-9625-5BEF087F0E72}"/>
+              </a:ext>
+            </a:extLst>
+          </p:cNvPr>
+          <p:cNvSpPr>
+            <a:spLocks noGrp="1"/>
+          </p:cNvSpPr>
+          <p:nvPr>
+            <p:ph idx="1"/>
+          </p:nvPr>
+        </p:nvSpPr>
+        <p:spPr/>
+        <p:txBody>
+          <a:bodyPr/>
+          <a:lstStyle/>
+          <a:p>
+            <a:r>
+              <a:rPr lang="da-DK" dirty="0"/>
+              <a:t>Poster og </a:t>
+            </a:r>
+            <a:r>
+              <a:rPr lang="da-DK" dirty="0" err="1"/>
+              <a:t>paper</a:t>
+            </a:r>
+            <a:r>
+              <a:rPr lang="da-DK" dirty="0"/>
+              <a:t>.</a:t>
+            </a:r>
+          </a:p>
+          <a:p>
+            <a:r>
+              <a:rPr lang="da-DK" dirty="0"/>
+              <a:t>Elektrisk kommunikation.</a:t>
+            </a:r>
+          </a:p>
+          <a:p>
+            <a:r>
+              <a:rPr lang="da-DK" dirty="0"/>
+              <a:t>Nice-to – funktioner</a:t>
+            </a:r>
+          </a:p>
+          <a:p>
+            <a:r>
+              <a:rPr lang="da-DK" dirty="0"/>
+              <a:t>Dokumentation</a:t>
+            </a:r>
+          </a:p>
+          <a:p>
+            <a:pPr lvl="1"/>
+            <a:r>
+              <a:rPr lang="da-DK" dirty="0"/>
+              <a:t>Krav</a:t>
+            </a:r>
+          </a:p>
+          <a:p>
+            <a:pPr lvl="1"/>
+            <a:r>
+              <a:rPr lang="da-DK" dirty="0"/>
+              <a:t>Kode</a:t>
+            </a:r>
+          </a:p>
+          <a:p>
+            <a:pPr lvl="1"/>
+            <a:r>
+              <a:rPr lang="da-DK" dirty="0"/>
+              <a:t>Ønsker</a:t>
+            </a:r>
+          </a:p>
+          <a:p>
+            <a:pPr lvl="1"/>
+            <a:endParaRPr lang="da-DK" dirty="0"/>
+          </a:p>
+        </p:txBody>
+      </p:sp>
+      <p:sp>
+        <p:nvSpPr>
+          <p:cNvPr id="5" name="Pladsholder til dato 4">
+            <a:extLst>
+              <a:ext uri="{FF2B5EF4-FFF2-40B4-BE49-F238E27FC236}">
+                <a16:creationId xmlns:a16="http://schemas.microsoft.com/office/drawing/2014/main" id="{92A0B23E-1A17-4504-B9F0-F9CC83D71628}"/>
+              </a:ext>
+            </a:extLst>
+          </p:cNvPr>
+          <p:cNvSpPr>
+            <a:spLocks noGrp="1"/>
+          </p:cNvSpPr>
+          <p:nvPr>
+            <p:ph type="dt" sz="half" idx="10"/>
+          </p:nvPr>
+        </p:nvSpPr>
+        <p:spPr/>
+        <p:txBody>
+          <a:bodyPr/>
+          <a:lstStyle/>
+          <a:p>
+            <a:r>
+              <a:rPr lang="da-DK"/>
+              <a:t>29. april 2018</a:t>
+            </a:r>
+            <a:endParaRPr lang="da-DK" dirty="0"/>
+          </a:p>
+        </p:txBody>
+      </p:sp>
+      <p:sp>
+        <p:nvSpPr>
+          <p:cNvPr id="6" name="Pladsholder til sidefod 5">
+            <a:extLst>
+              <a:ext uri="{FF2B5EF4-FFF2-40B4-BE49-F238E27FC236}">
+                <a16:creationId xmlns:a16="http://schemas.microsoft.com/office/drawing/2014/main" id="{358EA6BE-6626-4E67-880F-90E44929CB32}"/>
+              </a:ext>
+            </a:extLst>
+          </p:cNvPr>
+          <p:cNvSpPr>
+            <a:spLocks noGrp="1"/>
+          </p:cNvSpPr>
+          <p:nvPr>
+            <p:ph type="ftr" sz="quarter" idx="11"/>
+          </p:nvPr>
+        </p:nvSpPr>
+        <p:spPr/>
+        <p:txBody>
+          <a:bodyPr/>
+          <a:lstStyle/>
+          <a:p>
+            <a:r>
+              <a:rPr lang="da-DK"/>
+              <a:t>Fagprojekt - Motorstyring på økobilen</a:t>
+            </a:r>
+            <a:endParaRPr lang="da-DK" dirty="0"/>
+          </a:p>
+        </p:txBody>
+      </p:sp>
+      <p:sp>
+        <p:nvSpPr>
+          <p:cNvPr id="7" name="Pladsholder til slidenummer 6">
+            <a:extLst>
+              <a:ext uri="{FF2B5EF4-FFF2-40B4-BE49-F238E27FC236}">
+                <a16:creationId xmlns:a16="http://schemas.microsoft.com/office/drawing/2014/main" id="{0E80DD5E-B898-4FE7-B274-B55DF3D15050}"/>
+              </a:ext>
+            </a:extLst>
+          </p:cNvPr>
+          <p:cNvSpPr>
+            <a:spLocks noGrp="1"/>
+          </p:cNvSpPr>
+          <p:nvPr>
+            <p:ph type="sldNum" sz="quarter" idx="12"/>
+          </p:nvPr>
+        </p:nvSpPr>
+        <p:spPr/>
+        <p:txBody>
+          <a:bodyPr/>
+          <a:lstStyle/>
+          <a:p>
+            <a:fld id="{103EA872-A674-449B-A120-B97244F8E91D}" type="slidenum">
+              <a:rPr lang="da-DK" smtClean="0"/>
+              <a:pPr/>
+              <a:t>9</a:t>
+            </a:fld>
+            <a:endParaRPr lang="da-DK" dirty="0"/>
+          </a:p>
+        </p:txBody>
+      </p:sp>
+    </p:spTree>
+    <p:extLst>
+      <p:ext uri="{BB962C8B-B14F-4D97-AF65-F5344CB8AC3E}">
+        <p14:creationId xmlns:p14="http://schemas.microsoft.com/office/powerpoint/2010/main" val="2006268609"/>
       </p:ext>
     </p:extLst>
   </p:cSld>

--- a/midtvejsPraes.pptx
+++ b/midtvejsPraes.pptx
@@ -5,10 +5,10 @@
     <p:sldMasterId id="2147483662" r:id="rId1"/>
   </p:sldMasterIdLst>
   <p:notesMasterIdLst>
-    <p:notesMasterId r:id="rId11"/>
+    <p:notesMasterId r:id="rId12"/>
   </p:notesMasterIdLst>
   <p:handoutMasterIdLst>
-    <p:handoutMasterId r:id="rId12"/>
+    <p:handoutMasterId r:id="rId13"/>
   </p:handoutMasterIdLst>
   <p:sldIdLst>
     <p:sldId id="256" r:id="rId2"/>
@@ -20,11 +20,12 @@
     <p:sldId id="258" r:id="rId8"/>
     <p:sldId id="259" r:id="rId9"/>
     <p:sldId id="264" r:id="rId10"/>
+    <p:sldId id="265" r:id="rId11"/>
   </p:sldIdLst>
   <p:sldSz cx="9144000" cy="6858000" type="screen4x3"/>
   <p:notesSz cx="6858000" cy="9144000"/>
   <p:custDataLst>
-    <p:tags r:id="rId13"/>
+    <p:tags r:id="rId14"/>
   </p:custDataLst>
   <p:defaultTextStyle>
     <a:defPPr>
@@ -1840,7 +1841,10 @@
             </a:lvl1pPr>
           </a:lstStyle>
           <a:p>
-            <a:endParaRPr lang="da-DK"/>
+            <a:r>
+              <a:rPr lang="da-DK"/>
+              <a:t>Fagprojekt - Motorstyring på økobilen</a:t>
+            </a:r>
           </a:p>
         </p:txBody>
       </p:sp>
@@ -2258,9 +2262,10 @@
           </a:lstStyle>
           <a:p>
             <a:r>
-              <a:rPr lang="da-DK" dirty="0"/>
-              <a:t>29. april 2018</a:t>
-            </a:r>
+              <a:rPr lang="da-DK"/>
+              <a:t>8. maj 2018</a:t>
+            </a:r>
+            <a:endParaRPr lang="da-DK" dirty="0"/>
           </a:p>
         </p:txBody>
       </p:sp>
@@ -2546,9 +2551,10 @@
           <a:lstStyle/>
           <a:p>
             <a:r>
-              <a:rPr lang="da-DK" dirty="0"/>
-              <a:t>29. april 2018</a:t>
-            </a:r>
+              <a:rPr lang="da-DK"/>
+              <a:t>8. maj 2018</a:t>
+            </a:r>
+            <a:endParaRPr lang="da-DK" dirty="0"/>
           </a:p>
         </p:txBody>
       </p:sp>
@@ -2666,9 +2672,10 @@
           <a:lstStyle/>
           <a:p>
             <a:r>
-              <a:rPr lang="da-DK" dirty="0"/>
-              <a:t>29. april 2018</a:t>
-            </a:r>
+              <a:rPr lang="da-DK"/>
+              <a:t>8. maj 2018</a:t>
+            </a:r>
+            <a:endParaRPr lang="da-DK" dirty="0"/>
           </a:p>
         </p:txBody>
       </p:sp>
@@ -2764,9 +2771,10 @@
           <a:lstStyle/>
           <a:p>
             <a:r>
-              <a:rPr lang="da-DK" dirty="0"/>
-              <a:t>29. april 2018</a:t>
-            </a:r>
+              <a:rPr lang="da-DK"/>
+              <a:t>8. maj 2018</a:t>
+            </a:r>
+            <a:endParaRPr lang="da-DK" dirty="0"/>
           </a:p>
         </p:txBody>
       </p:sp>
@@ -2886,9 +2894,10 @@
           </a:lstStyle>
           <a:p>
             <a:r>
-              <a:rPr lang="da-DK" dirty="0"/>
-              <a:t>29. april 2018</a:t>
-            </a:r>
+              <a:rPr lang="da-DK"/>
+              <a:t>8. maj 2018</a:t>
+            </a:r>
+            <a:endParaRPr lang="da-DK" dirty="0"/>
           </a:p>
         </p:txBody>
       </p:sp>
@@ -3818,6 +3827,190 @@
 </p:sld>
 </file>
 
+<file path=ppt/slides/slide10.xml><?xml version="1.0" encoding="utf-8"?>
+<p:sld xmlns:a="http://schemas.openxmlformats.org/drawingml/2006/main" xmlns:r="http://schemas.openxmlformats.org/officeDocument/2006/relationships" xmlns:p="http://schemas.openxmlformats.org/presentationml/2006/main">
+  <p:cSld>
+    <p:spTree>
+      <p:nvGrpSpPr>
+        <p:cNvPr id="1" name=""/>
+        <p:cNvGrpSpPr/>
+        <p:nvPr/>
+      </p:nvGrpSpPr>
+      <p:grpSpPr>
+        <a:xfrm>
+          <a:off x="0" y="0"/>
+          <a:ext cx="0" cy="0"/>
+          <a:chOff x="0" y="0"/>
+          <a:chExt cx="0" cy="0"/>
+        </a:xfrm>
+      </p:grpSpPr>
+      <p:sp>
+        <p:nvSpPr>
+          <p:cNvPr id="2" name="Titel 1">
+            <a:extLst>
+              <a:ext uri="{FF2B5EF4-FFF2-40B4-BE49-F238E27FC236}">
+                <a16:creationId xmlns:a16="http://schemas.microsoft.com/office/drawing/2014/main" id="{E06C58D0-0F5D-4B2C-AD04-6F33C35FDF9C}"/>
+              </a:ext>
+            </a:extLst>
+          </p:cNvPr>
+          <p:cNvSpPr>
+            <a:spLocks noGrp="1"/>
+          </p:cNvSpPr>
+          <p:nvPr>
+            <p:ph type="title"/>
+          </p:nvPr>
+        </p:nvSpPr>
+        <p:spPr/>
+        <p:txBody>
+          <a:bodyPr/>
+          <a:lstStyle/>
+          <a:p>
+            <a:r>
+              <a:rPr lang="da-DK" sz="6000" dirty="0"/>
+              <a:t>Q &amp; A</a:t>
+            </a:r>
+          </a:p>
+        </p:txBody>
+      </p:sp>
+      <p:pic>
+        <p:nvPicPr>
+          <p:cNvPr id="8" name="Pladsholder til indhold 7">
+            <a:extLst>
+              <a:ext uri="{FF2B5EF4-FFF2-40B4-BE49-F238E27FC236}">
+                <a16:creationId xmlns:a16="http://schemas.microsoft.com/office/drawing/2014/main" id="{DCD9E867-7858-4726-9829-A68D8ED2CEAD}"/>
+              </a:ext>
+            </a:extLst>
+          </p:cNvPr>
+          <p:cNvPicPr>
+            <a:picLocks noGrp="1" noChangeAspect="1"/>
+          </p:cNvPicPr>
+          <p:nvPr>
+            <p:ph idx="1"/>
+          </p:nvPr>
+        </p:nvPicPr>
+        <p:blipFill>
+          <a:blip r:embed="rId2">
+            <a:extLst>
+              <a:ext uri="{28A0092B-C50C-407E-A947-70E740481C1C}">
+                <a14:useLocalDpi xmlns:a14="http://schemas.microsoft.com/office/drawing/2010/main" val="0"/>
+              </a:ext>
+              <a:ext uri="{837473B0-CC2E-450A-ABE3-18F120FF3D39}">
+                <a1611:picAttrSrcUrl xmlns:a1611="http://schemas.microsoft.com/office/drawing/2016/11/main" r:id="rId3"/>
+              </a:ext>
+            </a:extLst>
+          </a:blip>
+          <a:stretch>
+            <a:fillRect/>
+          </a:stretch>
+        </p:blipFill>
+        <p:spPr>
+          <a:xfrm>
+            <a:off x="2267744" y="1807540"/>
+            <a:ext cx="5320228" cy="4309719"/>
+          </a:xfrm>
+        </p:spPr>
+      </p:pic>
+      <p:sp>
+        <p:nvSpPr>
+          <p:cNvPr id="4" name="Pladsholder til dato 3">
+            <a:extLst>
+              <a:ext uri="{FF2B5EF4-FFF2-40B4-BE49-F238E27FC236}">
+                <a16:creationId xmlns:a16="http://schemas.microsoft.com/office/drawing/2014/main" id="{40D08B0C-6EC0-48E6-A123-B97C4EABD19E}"/>
+              </a:ext>
+            </a:extLst>
+          </p:cNvPr>
+          <p:cNvSpPr>
+            <a:spLocks noGrp="1"/>
+          </p:cNvSpPr>
+          <p:nvPr>
+            <p:ph type="dt" sz="half" idx="10"/>
+          </p:nvPr>
+        </p:nvSpPr>
+        <p:spPr/>
+        <p:txBody>
+          <a:bodyPr/>
+          <a:lstStyle/>
+          <a:p>
+            <a:r>
+              <a:rPr lang="da-DK"/>
+              <a:t>8. maj 2018</a:t>
+            </a:r>
+            <a:endParaRPr lang="da-DK" dirty="0"/>
+          </a:p>
+        </p:txBody>
+      </p:sp>
+      <p:sp>
+        <p:nvSpPr>
+          <p:cNvPr id="5" name="Pladsholder til sidefod 4">
+            <a:extLst>
+              <a:ext uri="{FF2B5EF4-FFF2-40B4-BE49-F238E27FC236}">
+                <a16:creationId xmlns:a16="http://schemas.microsoft.com/office/drawing/2014/main" id="{07545EBF-E532-41C0-85DE-365ABF813DE5}"/>
+              </a:ext>
+            </a:extLst>
+          </p:cNvPr>
+          <p:cNvSpPr>
+            <a:spLocks noGrp="1"/>
+          </p:cNvSpPr>
+          <p:nvPr>
+            <p:ph type="ftr" sz="quarter" idx="11"/>
+          </p:nvPr>
+        </p:nvSpPr>
+        <p:spPr/>
+        <p:txBody>
+          <a:bodyPr/>
+          <a:lstStyle/>
+          <a:p>
+            <a:r>
+              <a:rPr lang="da-DK"/>
+              <a:t>Fagprojekt - Motorstyring på økobilen</a:t>
+            </a:r>
+            <a:endParaRPr lang="da-DK" dirty="0"/>
+          </a:p>
+        </p:txBody>
+      </p:sp>
+      <p:sp>
+        <p:nvSpPr>
+          <p:cNvPr id="6" name="Pladsholder til slidenummer 5">
+            <a:extLst>
+              <a:ext uri="{FF2B5EF4-FFF2-40B4-BE49-F238E27FC236}">
+                <a16:creationId xmlns:a16="http://schemas.microsoft.com/office/drawing/2014/main" id="{E6923CE4-76F9-424D-9358-30FE94AF62C4}"/>
+              </a:ext>
+            </a:extLst>
+          </p:cNvPr>
+          <p:cNvSpPr>
+            <a:spLocks noGrp="1"/>
+          </p:cNvSpPr>
+          <p:nvPr>
+            <p:ph type="sldNum" sz="quarter" idx="12"/>
+          </p:nvPr>
+        </p:nvSpPr>
+        <p:spPr/>
+        <p:txBody>
+          <a:bodyPr/>
+          <a:lstStyle/>
+          <a:p>
+            <a:fld id="{103EA872-A674-449B-A120-B97244F8E91D}" type="slidenum">
+              <a:rPr lang="da-DK" smtClean="0"/>
+              <a:pPr/>
+              <a:t>10</a:t>
+            </a:fld>
+            <a:endParaRPr lang="da-DK" dirty="0"/>
+          </a:p>
+        </p:txBody>
+      </p:sp>
+    </p:spTree>
+    <p:extLst>
+      <p:ext uri="{BB962C8B-B14F-4D97-AF65-F5344CB8AC3E}">
+        <p14:creationId xmlns:p14="http://schemas.microsoft.com/office/powerpoint/2010/main" val="3783767545"/>
+      </p:ext>
+    </p:extLst>
+  </p:cSld>
+  <p:clrMapOvr>
+    <a:masterClrMapping/>
+  </p:clrMapOvr>
+</p:sld>
+</file>
+
 <file path=ppt/slides/slide2.xml><?xml version="1.0" encoding="utf-8"?>
 <p:sld xmlns:a="http://schemas.openxmlformats.org/drawingml/2006/main" xmlns:r="http://schemas.openxmlformats.org/officeDocument/2006/relationships" xmlns:p="http://schemas.openxmlformats.org/presentationml/2006/main">
   <p:cSld>
@@ -3863,31 +4056,41 @@
           </a:p>
         </p:txBody>
       </p:sp>
-      <p:sp>
-        <p:nvSpPr>
-          <p:cNvPr id="3" name="Pladsholder til indhold 2">
+      <p:pic>
+        <p:nvPicPr>
+          <p:cNvPr id="8" name="Pladsholder til indhold 7">
             <a:extLst>
               <a:ext uri="{FF2B5EF4-FFF2-40B4-BE49-F238E27FC236}">
-                <a16:creationId xmlns:a16="http://schemas.microsoft.com/office/drawing/2014/main" id="{602FEF17-9607-4C64-AB9C-EA0572FB1FBF}"/>
+                <a16:creationId xmlns:a16="http://schemas.microsoft.com/office/drawing/2014/main" id="{BBA2212F-981C-4BC2-9EFB-AC33966E6D9C}"/>
               </a:ext>
             </a:extLst>
           </p:cNvPr>
-          <p:cNvSpPr>
-            <a:spLocks noGrp="1"/>
-          </p:cNvSpPr>
+          <p:cNvPicPr>
+            <a:picLocks noGrp="1" noChangeAspect="1"/>
+          </p:cNvPicPr>
           <p:nvPr>
             <p:ph idx="1"/>
           </p:nvPr>
-        </p:nvSpPr>
-        <p:spPr/>
-        <p:txBody>
-          <a:bodyPr/>
-          <a:lstStyle/>
-          <a:p>
-            <a:endParaRPr lang="da-DK" dirty="0"/>
-          </a:p>
-        </p:txBody>
-      </p:sp>
+        </p:nvPicPr>
+        <p:blipFill>
+          <a:blip r:embed="rId3">
+            <a:extLst>
+              <a:ext uri="{28A0092B-C50C-407E-A947-70E740481C1C}">
+                <a14:useLocalDpi xmlns:a14="http://schemas.microsoft.com/office/drawing/2010/main" val="0"/>
+              </a:ext>
+            </a:extLst>
+          </a:blip>
+          <a:stretch>
+            <a:fillRect/>
+          </a:stretch>
+        </p:blipFill>
+        <p:spPr>
+          <a:xfrm>
+            <a:off x="1452033" y="1600200"/>
+            <a:ext cx="6087533" cy="4565650"/>
+          </a:xfrm>
+        </p:spPr>
+      </p:pic>
       <p:sp>
         <p:nvSpPr>
           <p:cNvPr id="4" name="Pladsholder til dato 3">
@@ -3911,7 +4114,7 @@
           <a:p>
             <a:r>
               <a:rPr lang="da-DK"/>
-              <a:t>29. april 2018</a:t>
+              <a:t>8. maj 2018</a:t>
             </a:r>
             <a:endParaRPr lang="da-DK" dirty="0"/>
           </a:p>
@@ -4137,7 +4340,7 @@
           <a:p>
             <a:r>
               <a:rPr lang="da-DK"/>
-              <a:t>29. april 2018</a:t>
+              <a:t>8. maj 2018</a:t>
             </a:r>
             <a:endParaRPr lang="da-DK" dirty="0"/>
           </a:p>
@@ -4271,13 +4474,13 @@
           <a:p>
             <a:r>
               <a:rPr lang="da-DK" dirty="0"/>
+              <a:t>Overtagelse af et projekt</a:t>
+            </a:r>
+          </a:p>
+          <a:p>
+            <a:r>
+              <a:rPr lang="da-DK" dirty="0"/>
               <a:t>Samarbejde med andre linjer</a:t>
-            </a:r>
-          </a:p>
-          <a:p>
-            <a:r>
-              <a:rPr lang="da-DK" dirty="0"/>
-              <a:t>Styring af brændstofs mængde</a:t>
             </a:r>
           </a:p>
           <a:p>
@@ -4287,7 +4490,24 @@
             </a:r>
           </a:p>
           <a:p>
-            <a:endParaRPr lang="da-DK" dirty="0"/>
+            <a:r>
+              <a:rPr lang="da-DK" dirty="0"/>
+              <a:t>Teknologiske udfordringer</a:t>
+            </a:r>
+          </a:p>
+          <a:p>
+            <a:pPr lvl="1"/>
+            <a:r>
+              <a:rPr lang="da-DK" dirty="0"/>
+              <a:t>Støj</a:t>
+            </a:r>
+          </a:p>
+          <a:p>
+            <a:pPr lvl="1"/>
+            <a:r>
+              <a:rPr lang="da-DK" dirty="0"/>
+              <a:t>Ledninger</a:t>
+            </a:r>
           </a:p>
           <a:p>
             <a:endParaRPr lang="da-DK" dirty="0"/>
@@ -4310,9 +4530,10 @@
           <a:lstStyle/>
           <a:p>
             <a:r>
-              <a:rPr lang="da-DK" dirty="0"/>
-              <a:t>29. april 2018</a:t>
-            </a:r>
+              <a:rPr lang="da-DK"/>
+              <a:t>8. maj 2018</a:t>
+            </a:r>
+            <a:endParaRPr lang="da-DK" dirty="0"/>
           </a:p>
         </p:txBody>
       </p:sp>
@@ -5315,7 +5536,7 @@
           <a:p>
             <a:r>
               <a:rPr lang="da-DK"/>
-              <a:t>29. april 2018</a:t>
+              <a:t>8. maj 2018</a:t>
             </a:r>
             <a:endParaRPr lang="da-DK" dirty="0"/>
           </a:p>
@@ -5992,7 +6213,7 @@
           <a:p>
             <a:r>
               <a:rPr lang="da-DK"/>
-              <a:t>29. april 2018</a:t>
+              <a:t>8. maj 2018</a:t>
             </a:r>
             <a:endParaRPr lang="da-DK" dirty="0"/>
           </a:p>
@@ -6208,7 +6429,7 @@
           <a:p>
             <a:r>
               <a:rPr lang="da-DK"/>
-              <a:t>29. april 2018</a:t>
+              <a:t>8. maj 2018</a:t>
             </a:r>
             <a:endParaRPr lang="da-DK" dirty="0"/>
           </a:p>
@@ -6429,7 +6650,7 @@
           <a:p>
             <a:r>
               <a:rPr lang="da-DK"/>
-              <a:t>29. april 2018</a:t>
+              <a:t>8. maj 2018</a:t>
             </a:r>
             <a:endParaRPr lang="da-DK" dirty="0"/>
           </a:p>
@@ -6654,7 +6875,7 @@
           <a:p>
             <a:r>
               <a:rPr lang="da-DK"/>
-              <a:t>29. april 2018</a:t>
+              <a:t>8. maj 2018</a:t>
             </a:r>
             <a:endParaRPr lang="da-DK" dirty="0"/>
           </a:p>
